--- a/First semester/Introduction to IT/lab/Power point/Introduction to Computer.pptx
+++ b/First semester/Introduction to IT/lab/Power point/Introduction to Computer.pptx
@@ -2,7 +2,7 @@
 <file path=ppt/presentation.xml><?xml version="1.0" encoding="utf-8"?>
 <p:presentation xmlns:a="http://schemas.openxmlformats.org/drawingml/2006/main" xmlns:r="http://schemas.openxmlformats.org/officeDocument/2006/relationships" xmlns:p="http://schemas.openxmlformats.org/presentationml/2006/main" showSpecialPlsOnTitleSld="0" saveSubsetFonts="1">
   <p:sldMasterIdLst>
-    <p:sldMasterId id="2147483660" r:id="rId1"/>
+    <p:sldMasterId id="2147483689" r:id="rId1"/>
   </p:sldMasterIdLst>
   <p:notesMasterIdLst>
     <p:notesMasterId r:id="rId7"/>
@@ -111,6 +111,11 @@
       </a:defRPr>
     </a:lvl9pPr>
   </p:defaultTextStyle>
+  <p:extLst>
+    <p:ext uri="{EFAFB233-063F-42B5-8137-9DF3F51BA10A}">
+      <p15:sldGuideLst xmlns:p15="http://schemas.microsoft.com/office/powerpoint/2012/main"/>
+    </p:ext>
+  </p:extLst>
 </p:presentation>
 </file>
 
@@ -196,7 +201,7 @@
           <a:p>
             <a:fld id="{247DBED0-967F-4E7B-A2B9-B332085E6D5B}" type="datetimeFigureOut">
               <a:rPr lang="en-US" smtClean="0"/>
-              <a:t>3/30/2024</a:t>
+              <a:t>4/5/2024</a:t>
             </a:fld>
             <a:endParaRPr lang="en-US"/>
           </a:p>
@@ -489,133 +494,60 @@
         </p:nvGrpSpPr>
         <p:grpSpPr>
           <a:xfrm>
-            <a:off x="0" y="-8467"/>
-            <a:ext cx="12192000" cy="6866467"/>
-            <a:chOff x="0" y="-8467"/>
-            <a:chExt cx="12192000" cy="6866467"/>
+            <a:off x="-16934" y="0"/>
+            <a:ext cx="12231160" cy="6856214"/>
+            <a:chOff x="-16934" y="0"/>
+            <a:chExt cx="12231160" cy="6856214"/>
           </a:xfrm>
         </p:grpSpPr>
-        <p:cxnSp>
-          <p:nvCxnSpPr>
-            <p:cNvPr id="32" name="Straight Connector 31"/>
-            <p:cNvCxnSpPr/>
+        <p:pic>
+          <p:nvPicPr>
+            <p:cNvPr id="16" name="Picture 15" descr="HD-PanelTitleR1.png"/>
+            <p:cNvPicPr>
+              <a:picLocks noChangeAspect="1"/>
+            </p:cNvPicPr>
             <p:nvPr/>
-          </p:nvCxnSpPr>
+          </p:nvPicPr>
+          <p:blipFill>
+            <a:blip r:embed="rId2">
+              <a:extLst>
+                <a:ext uri="{28A0092B-C50C-407E-A947-70E740481C1C}">
+                  <a14:useLocalDpi xmlns:a14="http://schemas.microsoft.com/office/drawing/2010/main" val="0"/>
+                </a:ext>
+              </a:extLst>
+            </a:blip>
+            <a:stretch>
+              <a:fillRect/>
+            </a:stretch>
+          </p:blipFill>
           <p:spPr>
             <a:xfrm>
-              <a:off x="9371012" y="0"/>
-              <a:ext cx="1219200" cy="6858000"/>
+              <a:off x="0" y="0"/>
+              <a:ext cx="12188825" cy="6856214"/>
             </a:xfrm>
-            <a:prstGeom prst="line">
+            <a:prstGeom prst="rect">
               <a:avLst/>
             </a:prstGeom>
-            <a:ln w="9525">
-              <a:solidFill>
-                <a:schemeClr val="bg1">
-                  <a:lumMod val="75000"/>
-                </a:schemeClr>
-              </a:solidFill>
-            </a:ln>
           </p:spPr>
-          <p:style>
-            <a:lnRef idx="2">
-              <a:schemeClr val="accent1"/>
-            </a:lnRef>
-            <a:fillRef idx="0">
-              <a:schemeClr val="accent1"/>
-            </a:fillRef>
-            <a:effectRef idx="1">
-              <a:schemeClr val="accent1"/>
-            </a:effectRef>
-            <a:fontRef idx="minor">
-              <a:schemeClr val="tx1"/>
-            </a:fontRef>
-          </p:style>
-        </p:cxnSp>
-        <p:cxnSp>
-          <p:nvCxnSpPr>
-            <p:cNvPr id="21" name="Straight Connector 20"/>
-            <p:cNvCxnSpPr/>
-            <p:nvPr/>
-          </p:nvCxnSpPr>
-          <p:spPr>
-            <a:xfrm flipH="1">
-              <a:off x="7425267" y="3681413"/>
-              <a:ext cx="4763558" cy="3176587"/>
-            </a:xfrm>
-            <a:prstGeom prst="line">
-              <a:avLst/>
-            </a:prstGeom>
-            <a:ln w="9525">
-              <a:solidFill>
-                <a:schemeClr val="bg1">
-                  <a:lumMod val="85000"/>
-                </a:schemeClr>
-              </a:solidFill>
-            </a:ln>
-          </p:spPr>
-          <p:style>
-            <a:lnRef idx="2">
-              <a:schemeClr val="accent1"/>
-            </a:lnRef>
-            <a:fillRef idx="0">
-              <a:schemeClr val="accent1"/>
-            </a:fillRef>
-            <a:effectRef idx="1">
-              <a:schemeClr val="accent1"/>
-            </a:effectRef>
-            <a:fontRef idx="minor">
-              <a:schemeClr val="tx1"/>
-            </a:fontRef>
-          </p:style>
-        </p:cxnSp>
+        </p:pic>
         <p:sp>
           <p:nvSpPr>
-            <p:cNvPr id="24" name="Rectangle 23"/>
+            <p:cNvPr id="26" name="Rectangle 25"/>
             <p:cNvSpPr/>
             <p:nvPr/>
           </p:nvSpPr>
           <p:spPr>
             <a:xfrm>
-              <a:off x="9181476" y="-8467"/>
-              <a:ext cx="3007349" cy="6866467"/>
+              <a:off x="2328332" y="1540931"/>
+              <a:ext cx="7543802" cy="3835401"/>
             </a:xfrm>
-            <a:custGeom>
+            <a:prstGeom prst="rect">
               <a:avLst/>
-              <a:gdLst/>
-              <a:ahLst/>
-              <a:cxnLst/>
-              <a:rect l="l" t="t" r="r" b="b"/>
-              <a:pathLst>
-                <a:path w="3007349" h="6866467">
-                  <a:moveTo>
-                    <a:pt x="2045532" y="0"/>
-                  </a:moveTo>
-                  <a:lnTo>
-                    <a:pt x="3007349" y="0"/>
-                  </a:lnTo>
-                  <a:lnTo>
-                    <a:pt x="3007349" y="6866467"/>
-                  </a:lnTo>
-                  <a:lnTo>
-                    <a:pt x="0" y="6866467"/>
-                  </a:lnTo>
-                  <a:lnTo>
-                    <a:pt x="2045532" y="0"/>
-                  </a:lnTo>
-                  <a:close/>
-                </a:path>
-              </a:pathLst>
-            </a:custGeom>
-            <a:solidFill>
-              <a:schemeClr val="accent1">
-                <a:alpha val="30000"/>
-              </a:schemeClr>
-            </a:solidFill>
-            <a:ln>
-              <a:noFill/>
+            </a:prstGeom>
+            <a:noFill/>
+            <a:ln w="15875">
+              <a:miter lim="800000"/>
             </a:ln>
-            <a:effectLst/>
           </p:spPr>
           <p:style>
             <a:lnRef idx="1">
@@ -632,384 +564,64 @@
             </a:fontRef>
           </p:style>
         </p:sp>
-        <p:sp>
-          <p:nvSpPr>
-            <p:cNvPr id="26" name="Rectangle 25"/>
-            <p:cNvSpPr/>
+        <p:pic>
+          <p:nvPicPr>
+            <p:cNvPr id="17" name="Picture 16" descr="HDRibbonTitle-UniformTrim.png"/>
+            <p:cNvPicPr>
+              <a:picLocks noChangeAspect="1"/>
+            </p:cNvPicPr>
             <p:nvPr/>
-          </p:nvSpPr>
+          </p:nvPicPr>
+          <p:blipFill rotWithShape="1">
+            <a:blip r:embed="rId3">
+              <a:extLst>
+                <a:ext uri="{28A0092B-C50C-407E-A947-70E740481C1C}">
+                  <a14:useLocalDpi xmlns:a14="http://schemas.microsoft.com/office/drawing/2010/main" val="0"/>
+                </a:ext>
+              </a:extLst>
+            </a:blip>
+            <a:srcRect/>
+            <a:stretch/>
+          </p:blipFill>
           <p:spPr>
             <a:xfrm>
-              <a:off x="9603442" y="-8467"/>
-              <a:ext cx="2588558" cy="6866467"/>
+              <a:off x="-16934" y="3147609"/>
+              <a:ext cx="2478024" cy="612648"/>
             </a:xfrm>
-            <a:custGeom>
+            <a:prstGeom prst="rect">
               <a:avLst/>
-              <a:gdLst/>
-              <a:ahLst/>
-              <a:cxnLst/>
-              <a:rect l="l" t="t" r="r" b="b"/>
-              <a:pathLst>
-                <a:path w="2573311" h="6866467">
-                  <a:moveTo>
-                    <a:pt x="0" y="0"/>
-                  </a:moveTo>
-                  <a:lnTo>
-                    <a:pt x="2573311" y="0"/>
-                  </a:lnTo>
-                  <a:lnTo>
-                    <a:pt x="2573311" y="6866467"/>
-                  </a:lnTo>
-                  <a:lnTo>
-                    <a:pt x="1202336" y="6866467"/>
-                  </a:lnTo>
-                  <a:lnTo>
-                    <a:pt x="0" y="0"/>
-                  </a:lnTo>
-                  <a:close/>
-                </a:path>
-              </a:pathLst>
-            </a:custGeom>
-            <a:solidFill>
-              <a:schemeClr val="accent1">
-                <a:alpha val="20000"/>
-              </a:schemeClr>
-            </a:solidFill>
-            <a:ln>
-              <a:noFill/>
-            </a:ln>
-            <a:effectLst/>
+            </a:prstGeom>
           </p:spPr>
-          <p:style>
-            <a:lnRef idx="1">
-              <a:schemeClr val="accent1"/>
-            </a:lnRef>
-            <a:fillRef idx="3">
-              <a:schemeClr val="accent1"/>
-            </a:fillRef>
-            <a:effectRef idx="2">
-              <a:schemeClr val="accent1"/>
-            </a:effectRef>
-            <a:fontRef idx="minor">
-              <a:schemeClr val="lt1"/>
-            </a:fontRef>
-          </p:style>
-        </p:sp>
-        <p:sp>
-          <p:nvSpPr>
-            <p:cNvPr id="27" name="Isosceles Triangle 26"/>
-            <p:cNvSpPr/>
+        </p:pic>
+        <p:pic>
+          <p:nvPicPr>
+            <p:cNvPr id="20" name="Picture 19" descr="HDRibbonTitle-UniformTrim.png"/>
+            <p:cNvPicPr>
+              <a:picLocks noChangeAspect="1"/>
+            </p:cNvPicPr>
             <p:nvPr/>
-          </p:nvSpPr>
+          </p:nvPicPr>
+          <p:blipFill rotWithShape="1">
+            <a:blip r:embed="rId3">
+              <a:extLst>
+                <a:ext uri="{28A0092B-C50C-407E-A947-70E740481C1C}">
+                  <a14:useLocalDpi xmlns:a14="http://schemas.microsoft.com/office/drawing/2010/main" val="0"/>
+                </a:ext>
+              </a:extLst>
+            </a:blip>
+            <a:srcRect/>
+            <a:stretch/>
+          </p:blipFill>
           <p:spPr>
             <a:xfrm>
-              <a:off x="8932333" y="3048000"/>
-              <a:ext cx="3259667" cy="3810000"/>
+              <a:off x="9736202" y="3147609"/>
+              <a:ext cx="2478024" cy="612648"/>
             </a:xfrm>
-            <a:prstGeom prst="triangle">
-              <a:avLst>
-                <a:gd name="adj" fmla="val 100000"/>
-              </a:avLst>
+            <a:prstGeom prst="rect">
+              <a:avLst/>
             </a:prstGeom>
-            <a:solidFill>
-              <a:schemeClr val="accent2">
-                <a:alpha val="72000"/>
-              </a:schemeClr>
-            </a:solidFill>
-            <a:ln>
-              <a:noFill/>
-            </a:ln>
-            <a:effectLst/>
           </p:spPr>
-          <p:style>
-            <a:lnRef idx="1">
-              <a:schemeClr val="accent1"/>
-            </a:lnRef>
-            <a:fillRef idx="3">
-              <a:schemeClr val="accent1"/>
-            </a:fillRef>
-            <a:effectRef idx="2">
-              <a:schemeClr val="accent1"/>
-            </a:effectRef>
-            <a:fontRef idx="minor">
-              <a:schemeClr val="lt1"/>
-            </a:fontRef>
-          </p:style>
-        </p:sp>
-        <p:sp>
-          <p:nvSpPr>
-            <p:cNvPr id="28" name="Rectangle 27"/>
-            <p:cNvSpPr/>
-            <p:nvPr/>
-          </p:nvSpPr>
-          <p:spPr>
-            <a:xfrm>
-              <a:off x="9334500" y="-8467"/>
-              <a:ext cx="2854326" cy="6866467"/>
-            </a:xfrm>
-            <a:custGeom>
-              <a:avLst/>
-              <a:gdLst/>
-              <a:ahLst/>
-              <a:cxnLst/>
-              <a:rect l="l" t="t" r="r" b="b"/>
-              <a:pathLst>
-                <a:path w="2858013" h="6866467">
-                  <a:moveTo>
-                    <a:pt x="0" y="0"/>
-                  </a:moveTo>
-                  <a:lnTo>
-                    <a:pt x="2858013" y="0"/>
-                  </a:lnTo>
-                  <a:lnTo>
-                    <a:pt x="2858013" y="6866467"/>
-                  </a:lnTo>
-                  <a:lnTo>
-                    <a:pt x="2473942" y="6866467"/>
-                  </a:lnTo>
-                  <a:lnTo>
-                    <a:pt x="0" y="0"/>
-                  </a:lnTo>
-                  <a:close/>
-                </a:path>
-              </a:pathLst>
-            </a:custGeom>
-            <a:solidFill>
-              <a:schemeClr val="accent2">
-                <a:lumMod val="75000"/>
-                <a:alpha val="70000"/>
-              </a:schemeClr>
-            </a:solidFill>
-            <a:ln>
-              <a:noFill/>
-            </a:ln>
-            <a:effectLst/>
-          </p:spPr>
-          <p:style>
-            <a:lnRef idx="1">
-              <a:schemeClr val="accent1"/>
-            </a:lnRef>
-            <a:fillRef idx="3">
-              <a:schemeClr val="accent1"/>
-            </a:fillRef>
-            <a:effectRef idx="2">
-              <a:schemeClr val="accent1"/>
-            </a:effectRef>
-            <a:fontRef idx="minor">
-              <a:schemeClr val="lt1"/>
-            </a:fontRef>
-          </p:style>
-        </p:sp>
-        <p:sp>
-          <p:nvSpPr>
-            <p:cNvPr id="29" name="Rectangle 28"/>
-            <p:cNvSpPr/>
-            <p:nvPr/>
-          </p:nvSpPr>
-          <p:spPr>
-            <a:xfrm>
-              <a:off x="10898730" y="-8467"/>
-              <a:ext cx="1290094" cy="6866467"/>
-            </a:xfrm>
-            <a:custGeom>
-              <a:avLst/>
-              <a:gdLst/>
-              <a:ahLst/>
-              <a:cxnLst/>
-              <a:rect l="l" t="t" r="r" b="b"/>
-              <a:pathLst>
-                <a:path w="1290094" h="6858000">
-                  <a:moveTo>
-                    <a:pt x="1019735" y="0"/>
-                  </a:moveTo>
-                  <a:lnTo>
-                    <a:pt x="1290094" y="0"/>
-                  </a:lnTo>
-                  <a:lnTo>
-                    <a:pt x="1290094" y="6858000"/>
-                  </a:lnTo>
-                  <a:lnTo>
-                    <a:pt x="0" y="6858000"/>
-                  </a:lnTo>
-                  <a:lnTo>
-                    <a:pt x="1019735" y="0"/>
-                  </a:lnTo>
-                  <a:close/>
-                </a:path>
-              </a:pathLst>
-            </a:custGeom>
-            <a:solidFill>
-              <a:schemeClr val="accent1">
-                <a:lumMod val="60000"/>
-                <a:lumOff val="40000"/>
-                <a:alpha val="70000"/>
-              </a:schemeClr>
-            </a:solidFill>
-            <a:ln>
-              <a:noFill/>
-            </a:ln>
-            <a:effectLst/>
-          </p:spPr>
-          <p:style>
-            <a:lnRef idx="1">
-              <a:schemeClr val="accent1"/>
-            </a:lnRef>
-            <a:fillRef idx="3">
-              <a:schemeClr val="accent1"/>
-            </a:fillRef>
-            <a:effectRef idx="2">
-              <a:schemeClr val="accent1"/>
-            </a:effectRef>
-            <a:fontRef idx="minor">
-              <a:schemeClr val="lt1"/>
-            </a:fontRef>
-          </p:style>
-        </p:sp>
-        <p:sp>
-          <p:nvSpPr>
-            <p:cNvPr id="30" name="Rectangle 29"/>
-            <p:cNvSpPr/>
-            <p:nvPr/>
-          </p:nvSpPr>
-          <p:spPr>
-            <a:xfrm>
-              <a:off x="10938999" y="-8467"/>
-              <a:ext cx="1249825" cy="6866467"/>
-            </a:xfrm>
-            <a:custGeom>
-              <a:avLst/>
-              <a:gdLst/>
-              <a:ahLst/>
-              <a:cxnLst/>
-              <a:rect l="l" t="t" r="r" b="b"/>
-              <a:pathLst>
-                <a:path w="1249825" h="6858000">
-                  <a:moveTo>
-                    <a:pt x="0" y="0"/>
-                  </a:moveTo>
-                  <a:lnTo>
-                    <a:pt x="1249825" y="0"/>
-                  </a:lnTo>
-                  <a:lnTo>
-                    <a:pt x="1249825" y="6858000"/>
-                  </a:lnTo>
-                  <a:lnTo>
-                    <a:pt x="1109382" y="6858000"/>
-                  </a:lnTo>
-                  <a:lnTo>
-                    <a:pt x="0" y="0"/>
-                  </a:lnTo>
-                  <a:close/>
-                </a:path>
-              </a:pathLst>
-            </a:custGeom>
-            <a:solidFill>
-              <a:schemeClr val="accent1">
-                <a:alpha val="65000"/>
-              </a:schemeClr>
-            </a:solidFill>
-            <a:ln>
-              <a:noFill/>
-            </a:ln>
-            <a:effectLst/>
-          </p:spPr>
-          <p:style>
-            <a:lnRef idx="1">
-              <a:schemeClr val="accent1"/>
-            </a:lnRef>
-            <a:fillRef idx="3">
-              <a:schemeClr val="accent1"/>
-            </a:fillRef>
-            <a:effectRef idx="2">
-              <a:schemeClr val="accent1"/>
-            </a:effectRef>
-            <a:fontRef idx="minor">
-              <a:schemeClr val="lt1"/>
-            </a:fontRef>
-          </p:style>
-        </p:sp>
-        <p:sp>
-          <p:nvSpPr>
-            <p:cNvPr id="31" name="Isosceles Triangle 30"/>
-            <p:cNvSpPr/>
-            <p:nvPr/>
-          </p:nvSpPr>
-          <p:spPr>
-            <a:xfrm>
-              <a:off x="10371666" y="3589867"/>
-              <a:ext cx="1817159" cy="3268133"/>
-            </a:xfrm>
-            <a:prstGeom prst="triangle">
-              <a:avLst>
-                <a:gd name="adj" fmla="val 100000"/>
-              </a:avLst>
-            </a:prstGeom>
-            <a:solidFill>
-              <a:schemeClr val="accent1">
-                <a:alpha val="80000"/>
-              </a:schemeClr>
-            </a:solidFill>
-            <a:ln>
-              <a:noFill/>
-            </a:ln>
-            <a:effectLst/>
-          </p:spPr>
-          <p:style>
-            <a:lnRef idx="1">
-              <a:schemeClr val="accent1"/>
-            </a:lnRef>
-            <a:fillRef idx="3">
-              <a:schemeClr val="accent1"/>
-            </a:fillRef>
-            <a:effectRef idx="2">
-              <a:schemeClr val="accent1"/>
-            </a:effectRef>
-            <a:fontRef idx="minor">
-              <a:schemeClr val="lt1"/>
-            </a:fontRef>
-          </p:style>
-        </p:sp>
-        <p:sp>
-          <p:nvSpPr>
-            <p:cNvPr id="19" name="Isosceles Triangle 18"/>
-            <p:cNvSpPr/>
-            <p:nvPr/>
-          </p:nvSpPr>
-          <p:spPr>
-            <a:xfrm rot="10800000">
-              <a:off x="0" y="0"/>
-              <a:ext cx="842596" cy="5666154"/>
-            </a:xfrm>
-            <a:prstGeom prst="triangle">
-              <a:avLst>
-                <a:gd name="adj" fmla="val 100000"/>
-              </a:avLst>
-            </a:prstGeom>
-            <a:solidFill>
-              <a:schemeClr val="accent1">
-                <a:alpha val="85000"/>
-              </a:schemeClr>
-            </a:solidFill>
-            <a:ln>
-              <a:noFill/>
-            </a:ln>
-            <a:effectLst/>
-          </p:spPr>
-          <p:style>
-            <a:lnRef idx="1">
-              <a:schemeClr val="accent1"/>
-            </a:lnRef>
-            <a:fillRef idx="3">
-              <a:schemeClr val="accent1"/>
-            </a:fillRef>
-            <a:effectRef idx="2">
-              <a:schemeClr val="accent1"/>
-            </a:effectRef>
-            <a:fontRef idx="minor">
-              <a:schemeClr val="lt1"/>
-            </a:fontRef>
-          </p:style>
-        </p:sp>
+        </p:pic>
       </p:grpSp>
       <p:sp>
         <p:nvSpPr>
@@ -1023,8 +635,8 @@
         </p:nvSpPr>
         <p:spPr>
           <a:xfrm>
-            <a:off x="1507067" y="2404534"/>
-            <a:ext cx="7766936" cy="1646302"/>
+            <a:off x="2692398" y="1871131"/>
+            <a:ext cx="6815669" cy="1515533"/>
           </a:xfrm>
         </p:spPr>
         <p:txBody>
@@ -1032,11 +644,9 @@
             <a:noAutofit/>
           </a:bodyPr>
           <a:lstStyle>
-            <a:lvl1pPr algn="r">
+            <a:lvl1pPr algn="ctr">
               <a:defRPr sz="5400">
-                <a:solidFill>
-                  <a:schemeClr val="accent1"/>
-                </a:solidFill>
+                <a:effectLst/>
               </a:defRPr>
             </a:lvl1pPr>
           </a:lstStyle>
@@ -1061,21 +671,20 @@
         </p:nvSpPr>
         <p:spPr>
           <a:xfrm>
-            <a:off x="1507067" y="4050833"/>
-            <a:ext cx="7766936" cy="1096899"/>
+            <a:off x="2692398" y="3657597"/>
+            <a:ext cx="6815669" cy="1320802"/>
           </a:xfrm>
         </p:spPr>
         <p:txBody>
-          <a:bodyPr anchor="t"/>
+          <a:bodyPr anchor="t">
+            <a:normAutofit/>
+          </a:bodyPr>
           <a:lstStyle>
-            <a:lvl1pPr marL="0" indent="0" algn="r">
-              <a:buNone/>
-              <a:defRPr>
-                <a:solidFill>
-                  <a:schemeClr val="tx1">
-                    <a:lumMod val="50000"/>
-                    <a:lumOff val="50000"/>
-                  </a:schemeClr>
+            <a:lvl1pPr marL="0" indent="0" algn="ctr">
+              <a:buNone/>
+              <a:defRPr sz="2100">
+                <a:solidFill>
+                  <a:schemeClr val="tx1"/>
                 </a:solidFill>
               </a:defRPr>
             </a:lvl1pPr>
@@ -1179,14 +788,19 @@
             <p:ph type="dt" sz="half" idx="10"/>
           </p:nvPr>
         </p:nvSpPr>
-        <p:spPr/>
+        <p:spPr>
+          <a:xfrm>
+            <a:off x="7983232" y="5037663"/>
+            <a:ext cx="897467" cy="279400"/>
+          </a:xfrm>
+        </p:spPr>
         <p:txBody>
           <a:bodyPr/>
           <a:lstStyle/>
           <a:p>
-            <a:fld id="{217A5413-7D5F-4375-A7B9-A4CEA025369E}" type="datetime1">
-              <a:rPr lang="en-US" smtClean="0"/>
-              <a:t>3/30/2024</a:t>
+            <a:fld id="{6B67DC3A-124A-410B-80B7-641FC19DE6FB}" type="datetime1">
+              <a:rPr lang="en-US" smtClean="0"/>
+              <a:t>4/5/2024</a:t>
             </a:fld>
             <a:endParaRPr lang="en-US"/>
           </a:p>
@@ -1202,14 +816,19 @@
             <p:ph type="ftr" sz="quarter" idx="11"/>
           </p:nvPr>
         </p:nvSpPr>
-        <p:spPr/>
+        <p:spPr>
+          <a:xfrm>
+            <a:off x="2692397" y="5037663"/>
+            <a:ext cx="5214635" cy="279400"/>
+          </a:xfrm>
+        </p:spPr>
         <p:txBody>
           <a:bodyPr/>
           <a:lstStyle/>
           <a:p>
             <a:r>
               <a:rPr lang="en-US" smtClean="0"/>
-              <a:t>Prepared by Suresh Dahal</a:t>
+              <a:t>Prepared by Aaryan Yadav</a:t>
             </a:r>
             <a:endParaRPr lang="en-US"/>
           </a:p>
@@ -1225,7 +844,12 @@
             <p:ph type="sldNum" sz="quarter" idx="12"/>
           </p:nvPr>
         </p:nvSpPr>
-        <p:spPr/>
+        <p:spPr>
+          <a:xfrm>
+            <a:off x="8956900" y="5037663"/>
+            <a:ext cx="551167" cy="279400"/>
+          </a:xfrm>
+        </p:spPr>
         <p:txBody>
           <a:bodyPr/>
           <a:lstStyle/>
@@ -1238,10 +862,40 @@
           </a:p>
         </p:txBody>
       </p:sp>
+      <p:cxnSp>
+        <p:nvCxnSpPr>
+          <p:cNvPr id="15" name="Straight Connector 14"/>
+          <p:cNvCxnSpPr/>
+          <p:nvPr/>
+        </p:nvCxnSpPr>
+        <p:spPr>
+          <a:xfrm>
+            <a:off x="2692399" y="3522131"/>
+            <a:ext cx="6815668" cy="0"/>
+          </a:xfrm>
+          <a:prstGeom prst="line">
+            <a:avLst/>
+          </a:prstGeom>
+        </p:spPr>
+        <p:style>
+          <a:lnRef idx="2">
+            <a:schemeClr val="accent1"/>
+          </a:lnRef>
+          <a:fillRef idx="0">
+            <a:schemeClr val="accent1"/>
+          </a:fillRef>
+          <a:effectRef idx="1">
+            <a:schemeClr val="accent1"/>
+          </a:effectRef>
+          <a:fontRef idx="minor">
+            <a:schemeClr val="tx1"/>
+          </a:fontRef>
+        </p:style>
+      </p:cxnSp>
     </p:spTree>
     <p:extLst>
       <p:ext uri="{BB962C8B-B14F-4D97-AF65-F5344CB8AC3E}">
-        <p14:creationId xmlns:p14="http://schemas.microsoft.com/office/powerpoint/2010/main" val="3635424145"/>
+        <p14:creationId xmlns:p14="http://schemas.microsoft.com/office/powerpoint/2010/main" val="1767236216"/>
       </p:ext>
     </p:extLst>
   </p:cSld>
@@ -1252,6 +906,294 @@
 </file>
 
 <file path=ppt/slideLayouts/slideLayout10.xml><?xml version="1.0" encoding="utf-8"?>
+<p:sldLayout xmlns:a="http://schemas.openxmlformats.org/drawingml/2006/main" xmlns:r="http://schemas.openxmlformats.org/officeDocument/2006/relationships" xmlns:p="http://schemas.openxmlformats.org/presentationml/2006/main" preserve="1">
+  <p:cSld name="Panoramic Picture with Caption">
+    <p:spTree>
+      <p:nvGrpSpPr>
+        <p:cNvPr id="1" name=""/>
+        <p:cNvGrpSpPr/>
+        <p:nvPr/>
+      </p:nvGrpSpPr>
+      <p:grpSpPr>
+        <a:xfrm>
+          <a:off x="0" y="0"/>
+          <a:ext cx="0" cy="0"/>
+          <a:chOff x="0" y="0"/>
+          <a:chExt cx="0" cy="0"/>
+        </a:xfrm>
+      </p:grpSpPr>
+      <p:sp>
+        <p:nvSpPr>
+          <p:cNvPr id="2" name="Title 1"/>
+          <p:cNvSpPr>
+            <a:spLocks noGrp="1"/>
+          </p:cNvSpPr>
+          <p:nvPr>
+            <p:ph type="title"/>
+          </p:nvPr>
+        </p:nvSpPr>
+        <p:spPr>
+          <a:xfrm>
+            <a:off x="1295401" y="4815415"/>
+            <a:ext cx="9609666" cy="566738"/>
+          </a:xfrm>
+        </p:spPr>
+        <p:txBody>
+          <a:bodyPr anchor="b">
+            <a:normAutofit/>
+          </a:bodyPr>
+          <a:lstStyle>
+            <a:lvl1pPr algn="ctr">
+              <a:defRPr sz="2400" b="0"/>
+            </a:lvl1pPr>
+          </a:lstStyle>
+          <a:p>
+            <a:r>
+              <a:rPr lang="en-US" smtClean="0"/>
+              <a:t>Click to edit Master title style</a:t>
+            </a:r>
+            <a:endParaRPr lang="en-US" dirty="0"/>
+          </a:p>
+        </p:txBody>
+      </p:sp>
+      <p:sp>
+        <p:nvSpPr>
+          <p:cNvPr id="3" name="Picture Placeholder 2"/>
+          <p:cNvSpPr>
+            <a:spLocks noGrp="1" noChangeAspect="1"/>
+          </p:cNvSpPr>
+          <p:nvPr>
+            <p:ph type="pic" idx="1"/>
+          </p:nvPr>
+        </p:nvSpPr>
+        <p:spPr>
+          <a:xfrm>
+            <a:off x="1041427" y="1041399"/>
+            <a:ext cx="10105972" cy="3335869"/>
+          </a:xfrm>
+          <a:prstGeom prst="roundRect">
+            <a:avLst>
+              <a:gd name="adj" fmla="val 0"/>
+            </a:avLst>
+          </a:prstGeom>
+          <a:ln w="57150" cmpd="thickThin">
+            <a:solidFill>
+              <a:schemeClr val="tx1">
+                <a:lumMod val="50000"/>
+                <a:lumOff val="50000"/>
+              </a:schemeClr>
+            </a:solidFill>
+            <a:miter lim="800000"/>
+          </a:ln>
+          <a:effectLst>
+            <a:innerShdw blurRad="57150" dist="38100" dir="14460000">
+              <a:srgbClr val="000000">
+                <a:alpha val="70000"/>
+              </a:srgbClr>
+            </a:innerShdw>
+          </a:effectLst>
+        </p:spPr>
+        <p:txBody>
+          <a:bodyPr anchor="t">
+            <a:normAutofit/>
+          </a:bodyPr>
+          <a:lstStyle>
+            <a:lvl1pPr marL="0" indent="0" algn="ctr">
+              <a:buNone/>
+              <a:defRPr sz="1600"/>
+            </a:lvl1pPr>
+            <a:lvl2pPr marL="457200" indent="0">
+              <a:buNone/>
+              <a:defRPr sz="1600"/>
+            </a:lvl2pPr>
+            <a:lvl3pPr marL="914400" indent="0">
+              <a:buNone/>
+              <a:defRPr sz="1600"/>
+            </a:lvl3pPr>
+            <a:lvl4pPr marL="1371600" indent="0">
+              <a:buNone/>
+              <a:defRPr sz="1600"/>
+            </a:lvl4pPr>
+            <a:lvl5pPr marL="1828800" indent="0">
+              <a:buNone/>
+              <a:defRPr sz="1600"/>
+            </a:lvl5pPr>
+            <a:lvl6pPr marL="2286000" indent="0">
+              <a:buNone/>
+              <a:defRPr sz="1600"/>
+            </a:lvl6pPr>
+            <a:lvl7pPr marL="2743200" indent="0">
+              <a:buNone/>
+              <a:defRPr sz="1600"/>
+            </a:lvl7pPr>
+            <a:lvl8pPr marL="3200400" indent="0">
+              <a:buNone/>
+              <a:defRPr sz="1600"/>
+            </a:lvl8pPr>
+            <a:lvl9pPr marL="3657600" indent="0">
+              <a:buNone/>
+              <a:defRPr sz="1600"/>
+            </a:lvl9pPr>
+          </a:lstStyle>
+          <a:p>
+            <a:r>
+              <a:rPr lang="en-US" smtClean="0"/>
+              <a:t>Click icon to add picture</a:t>
+            </a:r>
+            <a:endParaRPr lang="en-US" dirty="0"/>
+          </a:p>
+        </p:txBody>
+      </p:sp>
+      <p:sp>
+        <p:nvSpPr>
+          <p:cNvPr id="4" name="Text Placeholder 3"/>
+          <p:cNvSpPr>
+            <a:spLocks noGrp="1"/>
+          </p:cNvSpPr>
+          <p:nvPr>
+            <p:ph type="body" sz="half" idx="2"/>
+          </p:nvPr>
+        </p:nvSpPr>
+        <p:spPr>
+          <a:xfrm>
+            <a:off x="1295401" y="5382153"/>
+            <a:ext cx="9609666" cy="493712"/>
+          </a:xfrm>
+        </p:spPr>
+        <p:txBody>
+          <a:bodyPr>
+            <a:normAutofit/>
+          </a:bodyPr>
+          <a:lstStyle>
+            <a:lvl1pPr marL="0" indent="0" algn="ctr">
+              <a:buNone/>
+              <a:defRPr sz="1400"/>
+            </a:lvl1pPr>
+            <a:lvl2pPr marL="457200" indent="0">
+              <a:buNone/>
+              <a:defRPr sz="1200"/>
+            </a:lvl2pPr>
+            <a:lvl3pPr marL="914400" indent="0">
+              <a:buNone/>
+              <a:defRPr sz="1000"/>
+            </a:lvl3pPr>
+            <a:lvl4pPr marL="1371600" indent="0">
+              <a:buNone/>
+              <a:defRPr sz="900"/>
+            </a:lvl4pPr>
+            <a:lvl5pPr marL="1828800" indent="0">
+              <a:buNone/>
+              <a:defRPr sz="900"/>
+            </a:lvl5pPr>
+            <a:lvl6pPr marL="2286000" indent="0">
+              <a:buNone/>
+              <a:defRPr sz="900"/>
+            </a:lvl6pPr>
+            <a:lvl7pPr marL="2743200" indent="0">
+              <a:buNone/>
+              <a:defRPr sz="900"/>
+            </a:lvl7pPr>
+            <a:lvl8pPr marL="3200400" indent="0">
+              <a:buNone/>
+              <a:defRPr sz="900"/>
+            </a:lvl8pPr>
+            <a:lvl9pPr marL="3657600" indent="0">
+              <a:buNone/>
+              <a:defRPr sz="900"/>
+            </a:lvl9pPr>
+          </a:lstStyle>
+          <a:p>
+            <a:pPr lvl="0"/>
+            <a:r>
+              <a:rPr lang="en-US" smtClean="0"/>
+              <a:t>Edit Master text styles</a:t>
+            </a:r>
+          </a:p>
+        </p:txBody>
+      </p:sp>
+      <p:sp>
+        <p:nvSpPr>
+          <p:cNvPr id="5" name="Date Placeholder 4"/>
+          <p:cNvSpPr>
+            <a:spLocks noGrp="1"/>
+          </p:cNvSpPr>
+          <p:nvPr>
+            <p:ph type="dt" sz="half" idx="10"/>
+          </p:nvPr>
+        </p:nvSpPr>
+        <p:spPr/>
+        <p:txBody>
+          <a:bodyPr/>
+          <a:lstStyle/>
+          <a:p>
+            <a:fld id="{8092ACE2-4B98-46F6-A46E-78B76B2DC414}" type="datetime1">
+              <a:rPr lang="en-US" smtClean="0"/>
+              <a:t>4/5/2024</a:t>
+            </a:fld>
+            <a:endParaRPr lang="en-US"/>
+          </a:p>
+        </p:txBody>
+      </p:sp>
+      <p:sp>
+        <p:nvSpPr>
+          <p:cNvPr id="6" name="Footer Placeholder 5"/>
+          <p:cNvSpPr>
+            <a:spLocks noGrp="1"/>
+          </p:cNvSpPr>
+          <p:nvPr>
+            <p:ph type="ftr" sz="quarter" idx="11"/>
+          </p:nvPr>
+        </p:nvSpPr>
+        <p:spPr/>
+        <p:txBody>
+          <a:bodyPr/>
+          <a:lstStyle/>
+          <a:p>
+            <a:r>
+              <a:rPr lang="en-US" smtClean="0"/>
+              <a:t>Prepared by Aaryan Yadav</a:t>
+            </a:r>
+            <a:endParaRPr lang="en-US"/>
+          </a:p>
+        </p:txBody>
+      </p:sp>
+      <p:sp>
+        <p:nvSpPr>
+          <p:cNvPr id="7" name="Slide Number Placeholder 6"/>
+          <p:cNvSpPr>
+            <a:spLocks noGrp="1"/>
+          </p:cNvSpPr>
+          <p:nvPr>
+            <p:ph type="sldNum" sz="quarter" idx="12"/>
+          </p:nvPr>
+        </p:nvSpPr>
+        <p:spPr/>
+        <p:txBody>
+          <a:bodyPr/>
+          <a:lstStyle/>
+          <a:p>
+            <a:fld id="{AD129E66-78AE-4591-8306-E5F12AF64B28}" type="slidenum">
+              <a:rPr lang="en-US" smtClean="0"/>
+              <a:t>‹#›</a:t>
+            </a:fld>
+            <a:endParaRPr lang="en-US"/>
+          </a:p>
+        </p:txBody>
+      </p:sp>
+    </p:spTree>
+    <p:extLst>
+      <p:ext uri="{BB962C8B-B14F-4D97-AF65-F5344CB8AC3E}">
+        <p14:creationId xmlns:p14="http://schemas.microsoft.com/office/powerpoint/2010/main" val="1602984556"/>
+      </p:ext>
+    </p:extLst>
+  </p:cSld>
+  <p:clrMapOvr>
+    <a:masterClrMapping/>
+  </p:clrMapOvr>
+</p:sldLayout>
+</file>
+
+<file path=ppt/slideLayouts/slideLayout11.xml><?xml version="1.0" encoding="utf-8"?>
 <p:sldLayout xmlns:a="http://schemas.openxmlformats.org/drawingml/2006/main" xmlns:r="http://schemas.openxmlformats.org/officeDocument/2006/relationships" xmlns:p="http://schemas.openxmlformats.org/presentationml/2006/main" preserve="1">
   <p:cSld name="Title and Caption">
     <p:spTree>
@@ -1280,8 +1222,8 @@
         </p:nvSpPr>
         <p:spPr>
           <a:xfrm>
-            <a:off x="677335" y="609600"/>
-            <a:ext cx="8596668" cy="3403600"/>
+            <a:off x="1303868" y="982132"/>
+            <a:ext cx="9592732" cy="2954868"/>
           </a:xfrm>
         </p:spPr>
         <p:txBody>
@@ -1289,8 +1231,8 @@
             <a:normAutofit/>
           </a:bodyPr>
           <a:lstStyle>
-            <a:lvl1pPr algn="l">
-              <a:defRPr sz="4400" b="0" cap="none"/>
+            <a:lvl1pPr algn="ctr">
+              <a:defRPr sz="3200" b="0" cap="none"/>
             </a:lvl1pPr>
           </a:lstStyle>
           <a:p>
@@ -1314,8 +1256,8 @@
         </p:nvSpPr>
         <p:spPr>
           <a:xfrm>
-            <a:off x="677335" y="4470400"/>
-            <a:ext cx="8596668" cy="1570962"/>
+            <a:off x="1303868" y="4343399"/>
+            <a:ext cx="9592732" cy="1532467"/>
           </a:xfrm>
         </p:spPr>
         <p:txBody>
@@ -1323,14 +1265,11 @@
             <a:normAutofit/>
           </a:bodyPr>
           <a:lstStyle>
-            <a:lvl1pPr marL="0" indent="0" algn="l">
-              <a:buNone/>
-              <a:defRPr sz="1800">
-                <a:solidFill>
-                  <a:schemeClr val="tx1">
-                    <a:lumMod val="75000"/>
-                    <a:lumOff val="25000"/>
-                  </a:schemeClr>
+            <a:lvl1pPr marL="0" indent="0" algn="ctr">
+              <a:buNone/>
+              <a:defRPr sz="2000">
+                <a:solidFill>
+                  <a:schemeClr val="tx1"/>
                 </a:solidFill>
               </a:defRPr>
             </a:lvl1pPr>
@@ -1439,9 +1378,9 @@
           <a:bodyPr/>
           <a:lstStyle/>
           <a:p>
-            <a:fld id="{3571467C-1CCF-4583-971B-D60257D9DBFB}" type="datetime1">
-              <a:rPr lang="en-US" smtClean="0"/>
-              <a:t>3/30/2024</a:t>
+            <a:fld id="{BB948819-712C-43DD-8371-D39F8B4FB86E}" type="datetime1">
+              <a:rPr lang="en-US" smtClean="0"/>
+              <a:t>4/5/2024</a:t>
             </a:fld>
             <a:endParaRPr lang="en-US"/>
           </a:p>
@@ -1464,7 +1403,7 @@
           <a:p>
             <a:r>
               <a:rPr lang="en-US" smtClean="0"/>
-              <a:t>Prepared by Suresh Dahal</a:t>
+              <a:t>Prepared by Aaryan Yadav</a:t>
             </a:r>
             <a:endParaRPr lang="en-US"/>
           </a:p>
@@ -1493,10 +1432,41 @@
           </a:p>
         </p:txBody>
       </p:sp>
+      <p:cxnSp>
+        <p:nvCxnSpPr>
+          <p:cNvPr id="15" name="Straight Connector 14"/>
+          <p:cNvCxnSpPr/>
+          <p:nvPr/>
+        </p:nvCxnSpPr>
+        <p:spPr>
+          <a:xfrm>
+            <a:off x="1396169" y="4140199"/>
+            <a:ext cx="9407298" cy="0"/>
+          </a:xfrm>
+          <a:prstGeom prst="line">
+            <a:avLst/>
+          </a:prstGeom>
+          <a:ln w="15875"/>
+        </p:spPr>
+        <p:style>
+          <a:lnRef idx="2">
+            <a:schemeClr val="accent1"/>
+          </a:lnRef>
+          <a:fillRef idx="0">
+            <a:schemeClr val="accent1"/>
+          </a:fillRef>
+          <a:effectRef idx="1">
+            <a:schemeClr val="accent1"/>
+          </a:effectRef>
+          <a:fontRef idx="minor">
+            <a:schemeClr val="tx1"/>
+          </a:fontRef>
+        </p:style>
+      </p:cxnSp>
     </p:spTree>
     <p:extLst>
       <p:ext uri="{BB962C8B-B14F-4D97-AF65-F5344CB8AC3E}">
-        <p14:creationId xmlns:p14="http://schemas.microsoft.com/office/powerpoint/2010/main" val="3293502122"/>
+        <p14:creationId xmlns:p14="http://schemas.microsoft.com/office/powerpoint/2010/main" val="1940565576"/>
       </p:ext>
     </p:extLst>
   </p:cSld>
@@ -1506,7 +1476,7 @@
 </p:sldLayout>
 </file>
 
-<file path=ppt/slideLayouts/slideLayout11.xml><?xml version="1.0" encoding="utf-8"?>
+<file path=ppt/slideLayouts/slideLayout12.xml><?xml version="1.0" encoding="utf-8"?>
 <p:sldLayout xmlns:a="http://schemas.openxmlformats.org/drawingml/2006/main" xmlns:r="http://schemas.openxmlformats.org/officeDocument/2006/relationships" xmlns:p="http://schemas.openxmlformats.org/presentationml/2006/main" preserve="1">
   <p:cSld name="Quote with Caption">
     <p:spTree>
@@ -1535,8 +1505,8 @@
         </p:nvSpPr>
         <p:spPr>
           <a:xfrm>
-            <a:off x="931334" y="609600"/>
-            <a:ext cx="8094134" cy="3022600"/>
+            <a:off x="1446213" y="982132"/>
+            <a:ext cx="9296398" cy="2370668"/>
           </a:xfrm>
         </p:spPr>
         <p:txBody>
@@ -1544,8 +1514,12 @@
             <a:normAutofit/>
           </a:bodyPr>
           <a:lstStyle>
-            <a:lvl1pPr algn="l">
-              <a:defRPr sz="4400" b="0" cap="none"/>
+            <a:lvl1pPr algn="ctr">
+              <a:defRPr sz="3200" b="0" cap="none">
+                <a:solidFill>
+                  <a:schemeClr val="tx1"/>
+                </a:solidFill>
+              </a:defRPr>
             </a:lvl1pPr>
           </a:lstStyle>
           <a:p>
@@ -1559,7 +1533,7 @@
       </p:sp>
       <p:sp>
         <p:nvSpPr>
-          <p:cNvPr id="23" name="Text Placeholder 9"/>
+          <p:cNvPr id="10" name="Text Placeholder 9"/>
           <p:cNvSpPr>
             <a:spLocks noGrp="1"/>
           </p:cNvSpPr>
@@ -1569,26 +1543,19 @@
         </p:nvSpPr>
         <p:spPr>
           <a:xfrm>
-            <a:off x="1366139" y="3632200"/>
-            <a:ext cx="7224524" cy="381000"/>
+            <a:off x="1674812" y="3352800"/>
+            <a:ext cx="8839202" cy="584200"/>
           </a:xfrm>
         </p:spPr>
         <p:txBody>
           <a:bodyPr anchor="ctr">
-            <a:noAutofit/>
+            <a:normAutofit/>
           </a:bodyPr>
           <a:lstStyle>
-            <a:lvl1pPr marL="0" indent="0">
+            <a:lvl1pPr marL="0" indent="0" algn="r">
               <a:buFontTx/>
               <a:buNone/>
-              <a:defRPr sz="1600">
-                <a:solidFill>
-                  <a:schemeClr val="tx1">
-                    <a:lumMod val="50000"/>
-                    <a:lumOff val="50000"/>
-                  </a:schemeClr>
-                </a:solidFill>
-              </a:defRPr>
+              <a:defRPr sz="2000"/>
             </a:lvl1pPr>
             <a:lvl2pPr marL="457200" indent="0">
               <a:buFontTx/>
@@ -1632,8 +1599,8 @@
         </p:nvSpPr>
         <p:spPr>
           <a:xfrm>
-            <a:off x="677335" y="4470400"/>
-            <a:ext cx="8596668" cy="1570962"/>
+            <a:off x="1295401" y="4343399"/>
+            <a:ext cx="9609666" cy="1532467"/>
           </a:xfrm>
         </p:spPr>
         <p:txBody>
@@ -1641,14 +1608,11 @@
             <a:normAutofit/>
           </a:bodyPr>
           <a:lstStyle>
-            <a:lvl1pPr marL="0" indent="0" algn="l">
-              <a:buNone/>
-              <a:defRPr sz="1800">
-                <a:solidFill>
-                  <a:schemeClr val="tx1">
-                    <a:lumMod val="75000"/>
-                    <a:lumOff val="25000"/>
-                  </a:schemeClr>
+            <a:lvl1pPr marL="0" indent="0" algn="ctr">
+              <a:buNone/>
+              <a:defRPr sz="2000">
+                <a:solidFill>
+                  <a:schemeClr val="tx1"/>
                 </a:solidFill>
               </a:defRPr>
             </a:lvl1pPr>
@@ -1757,9 +1721,9 @@
           <a:bodyPr/>
           <a:lstStyle/>
           <a:p>
-            <a:fld id="{4B442620-002C-48AA-A980-07DCECDF1D30}" type="datetime1">
-              <a:rPr lang="en-US" smtClean="0"/>
-              <a:t>3/30/2024</a:t>
+            <a:fld id="{08ECC879-5701-4462-B3DF-D870F5BED3B4}" type="datetime1">
+              <a:rPr lang="en-US" smtClean="0"/>
+              <a:t>4/5/2024</a:t>
             </a:fld>
             <a:endParaRPr lang="en-US"/>
           </a:p>
@@ -1782,7 +1746,7 @@
           <a:p>
             <a:r>
               <a:rPr lang="en-US" smtClean="0"/>
-              <a:t>Prepared by Suresh Dahal</a:t>
+              <a:t>Prepared by Aaryan Yadav</a:t>
             </a:r>
             <a:endParaRPr lang="en-US"/>
           </a:p>
@@ -1813,13 +1777,13 @@
       </p:sp>
       <p:sp>
         <p:nvSpPr>
-          <p:cNvPr id="20" name="TextBox 19"/>
+          <p:cNvPr id="14" name="TextBox 13"/>
           <p:cNvSpPr txBox="1"/>
           <p:nvPr/>
         </p:nvSpPr>
         <p:spPr>
           <a:xfrm>
-            <a:off x="541870" y="790378"/>
+            <a:off x="862013" y="879961"/>
             <a:ext cx="609600" cy="584776"/>
           </a:xfrm>
           <a:prstGeom prst="rect">
@@ -1834,18 +1798,11 @@
           <a:p>
             <a:pPr lvl="0"/>
             <a:r>
-              <a:rPr lang="en-US" sz="8000" baseline="0" dirty="0">
-                <a:ln w="3175" cmpd="sng">
-                  <a:noFill/>
-                </a:ln>
-                <a:solidFill>
-                  <a:schemeClr val="accent1">
-                    <a:lumMod val="60000"/>
-                    <a:lumOff val="40000"/>
-                  </a:schemeClr>
+              <a:rPr lang="en-US" sz="8000" dirty="0">
+                <a:solidFill>
+                  <a:schemeClr val="tx1"/>
                 </a:solidFill>
                 <a:effectLst/>
-                <a:latin typeface="Arial"/>
               </a:rPr>
               <a:t>“</a:t>
             </a:r>
@@ -1854,13 +1811,13 @@
       </p:sp>
       <p:sp>
         <p:nvSpPr>
-          <p:cNvPr id="22" name="TextBox 21"/>
+          <p:cNvPr id="15" name="TextBox 14"/>
           <p:cNvSpPr txBox="1"/>
           <p:nvPr/>
         </p:nvSpPr>
         <p:spPr>
           <a:xfrm>
-            <a:off x="8893011" y="2886556"/>
+            <a:off x="10600267" y="2827870"/>
             <a:ext cx="609600" cy="584776"/>
           </a:xfrm>
           <a:prstGeom prst="rect">
@@ -1873,38 +1830,54 @@
           </a:bodyPr>
           <a:lstStyle/>
           <a:p>
-            <a:pPr lvl="0"/>
-            <a:r>
-              <a:rPr lang="en-US" sz="8000" baseline="0" dirty="0">
-                <a:ln w="3175" cmpd="sng">
-                  <a:noFill/>
-                </a:ln>
-                <a:solidFill>
-                  <a:schemeClr val="accent1">
-                    <a:lumMod val="60000"/>
-                    <a:lumOff val="40000"/>
-                  </a:schemeClr>
-                </a:solidFill>
-                <a:latin typeface="Arial"/>
+            <a:pPr lvl="0" algn="r"/>
+            <a:r>
+              <a:rPr lang="en-US" sz="8000" dirty="0">
+                <a:solidFill>
+                  <a:schemeClr val="tx1"/>
+                </a:solidFill>
+                <a:effectLst/>
               </a:rPr>
               <a:t>”</a:t>
             </a:r>
-            <a:endParaRPr lang="en-US" dirty="0">
-              <a:solidFill>
-                <a:schemeClr val="accent1">
-                  <a:lumMod val="60000"/>
-                  <a:lumOff val="40000"/>
-                </a:schemeClr>
-              </a:solidFill>
-              <a:latin typeface="Arial"/>
-            </a:endParaRPr>
-          </a:p>
-        </p:txBody>
-      </p:sp>
+          </a:p>
+        </p:txBody>
+      </p:sp>
+      <p:cxnSp>
+        <p:nvCxnSpPr>
+          <p:cNvPr id="19" name="Straight Connector 18"/>
+          <p:cNvCxnSpPr/>
+          <p:nvPr/>
+        </p:nvCxnSpPr>
+        <p:spPr>
+          <a:xfrm>
+            <a:off x="1396169" y="4140199"/>
+            <a:ext cx="9407298" cy="0"/>
+          </a:xfrm>
+          <a:prstGeom prst="line">
+            <a:avLst/>
+          </a:prstGeom>
+          <a:ln w="15875"/>
+        </p:spPr>
+        <p:style>
+          <a:lnRef idx="2">
+            <a:schemeClr val="accent1"/>
+          </a:lnRef>
+          <a:fillRef idx="0">
+            <a:schemeClr val="accent1"/>
+          </a:fillRef>
+          <a:effectRef idx="1">
+            <a:schemeClr val="accent1"/>
+          </a:effectRef>
+          <a:fontRef idx="minor">
+            <a:schemeClr val="tx1"/>
+          </a:fontRef>
+        </p:style>
+      </p:cxnSp>
     </p:spTree>
     <p:extLst>
       <p:ext uri="{BB962C8B-B14F-4D97-AF65-F5344CB8AC3E}">
-        <p14:creationId xmlns:p14="http://schemas.microsoft.com/office/powerpoint/2010/main" val="1533985692"/>
+        <p14:creationId xmlns:p14="http://schemas.microsoft.com/office/powerpoint/2010/main" val="3407175004"/>
       </p:ext>
     </p:extLst>
   </p:cSld>
@@ -1914,7 +1887,7 @@
 </p:sldLayout>
 </file>
 
-<file path=ppt/slideLayouts/slideLayout12.xml><?xml version="1.0" encoding="utf-8"?>
+<file path=ppt/slideLayouts/slideLayout13.xml><?xml version="1.0" encoding="utf-8"?>
 <p:sldLayout xmlns:a="http://schemas.openxmlformats.org/drawingml/2006/main" xmlns:r="http://schemas.openxmlformats.org/officeDocument/2006/relationships" xmlns:p="http://schemas.openxmlformats.org/presentationml/2006/main" preserve="1">
   <p:cSld name="Name Card">
     <p:spTree>
@@ -1943,8 +1916,8 @@
         </p:nvSpPr>
         <p:spPr>
           <a:xfrm>
-            <a:off x="677335" y="1931988"/>
-            <a:ext cx="8596668" cy="2595460"/>
+            <a:off x="1295402" y="3308581"/>
+            <a:ext cx="9609668" cy="1468800"/>
           </a:xfrm>
         </p:spPr>
         <p:txBody>
@@ -1953,7 +1926,7 @@
           </a:bodyPr>
           <a:lstStyle>
             <a:lvl1pPr algn="l">
-              <a:defRPr sz="4400" b="0" cap="none"/>
+              <a:defRPr sz="3200" b="0" cap="none"/>
             </a:lvl1pPr>
           </a:lstStyle>
           <a:p>
@@ -1977,8 +1950,8 @@
         </p:nvSpPr>
         <p:spPr>
           <a:xfrm>
-            <a:off x="677335" y="4527448"/>
-            <a:ext cx="8596668" cy="1513914"/>
+            <a:off x="1295401" y="4777381"/>
+            <a:ext cx="9609668" cy="860400"/>
           </a:xfrm>
         </p:spPr>
         <p:txBody>
@@ -1988,12 +1961,9 @@
           <a:lstStyle>
             <a:lvl1pPr marL="0" indent="0" algn="l">
               <a:buNone/>
-              <a:defRPr sz="1800">
-                <a:solidFill>
-                  <a:schemeClr val="tx1">
-                    <a:lumMod val="75000"/>
-                    <a:lumOff val="25000"/>
-                  </a:schemeClr>
+              <a:defRPr sz="2000">
+                <a:solidFill>
+                  <a:schemeClr val="tx1"/>
                 </a:solidFill>
               </a:defRPr>
             </a:lvl1pPr>
@@ -2102,9 +2072,9 @@
           <a:bodyPr/>
           <a:lstStyle/>
           <a:p>
-            <a:fld id="{5F5E0025-6C42-40A7-A3C3-C2EB721767B4}" type="datetime1">
-              <a:rPr lang="en-US" smtClean="0"/>
-              <a:t>3/30/2024</a:t>
+            <a:fld id="{346F0707-98B4-437B-B6F0-EC8E232EB2B1}" type="datetime1">
+              <a:rPr lang="en-US" smtClean="0"/>
+              <a:t>4/5/2024</a:t>
             </a:fld>
             <a:endParaRPr lang="en-US"/>
           </a:p>
@@ -2127,7 +2097,7 @@
           <a:p>
             <a:r>
               <a:rPr lang="en-US" smtClean="0"/>
-              <a:t>Prepared by Suresh Dahal</a:t>
+              <a:t>Prepared by Aaryan Yadav</a:t>
             </a:r>
             <a:endParaRPr lang="en-US"/>
           </a:p>
@@ -2159,7 +2129,7 @@
     </p:spTree>
     <p:extLst>
       <p:ext uri="{BB962C8B-B14F-4D97-AF65-F5344CB8AC3E}">
-        <p14:creationId xmlns:p14="http://schemas.microsoft.com/office/powerpoint/2010/main" val="1025502831"/>
+        <p14:creationId xmlns:p14="http://schemas.microsoft.com/office/powerpoint/2010/main" val="1678089151"/>
       </p:ext>
     </p:extLst>
   </p:cSld>
@@ -2169,7 +2139,7 @@
 </p:sldLayout>
 </file>
 
-<file path=ppt/slideLayouts/slideLayout13.xml><?xml version="1.0" encoding="utf-8"?>
+<file path=ppt/slideLayouts/slideLayout14.xml><?xml version="1.0" encoding="utf-8"?>
 <p:sldLayout xmlns:a="http://schemas.openxmlformats.org/drawingml/2006/main" xmlns:r="http://schemas.openxmlformats.org/officeDocument/2006/relationships" xmlns:p="http://schemas.openxmlformats.org/presentationml/2006/main" preserve="1">
   <p:cSld name="Quote Name Card">
     <p:spTree>
@@ -2198,8 +2168,8 @@
         </p:nvSpPr>
         <p:spPr>
           <a:xfrm>
-            <a:off x="931334" y="609600"/>
-            <a:ext cx="8094134" cy="3022600"/>
+            <a:off x="1446213" y="982132"/>
+            <a:ext cx="9296398" cy="2243668"/>
           </a:xfrm>
         </p:spPr>
         <p:txBody>
@@ -2207,8 +2177,12 @@
             <a:normAutofit/>
           </a:bodyPr>
           <a:lstStyle>
-            <a:lvl1pPr algn="l">
-              <a:defRPr sz="4400" b="0" cap="none"/>
+            <a:lvl1pPr algn="ctr">
+              <a:defRPr sz="3200" b="0" cap="none">
+                <a:solidFill>
+                  <a:schemeClr val="tx1"/>
+                </a:solidFill>
+              </a:defRPr>
             </a:lvl1pPr>
           </a:lstStyle>
           <a:p>
@@ -2222,57 +2196,116 @@
       </p:sp>
       <p:sp>
         <p:nvSpPr>
-          <p:cNvPr id="23" name="Text Placeholder 9"/>
-          <p:cNvSpPr>
-            <a:spLocks noGrp="1"/>
-          </p:cNvSpPr>
-          <p:nvPr>
-            <p:ph type="body" sz="quarter" idx="13"/>
+          <p:cNvPr id="23" name="Text Placeholder 2"/>
+          <p:cNvSpPr>
+            <a:spLocks noGrp="1"/>
+          </p:cNvSpPr>
+          <p:nvPr>
+            <p:ph type="body" idx="13"/>
           </p:nvPr>
         </p:nvSpPr>
         <p:spPr>
           <a:xfrm>
-            <a:off x="677332" y="4013200"/>
-            <a:ext cx="8596669" cy="514248"/>
+            <a:off x="1295401" y="3639312"/>
+            <a:ext cx="9609668" cy="886968"/>
           </a:xfrm>
         </p:spPr>
         <p:txBody>
           <a:bodyPr anchor="b">
-            <a:noAutofit/>
+            <a:normAutofit/>
           </a:bodyPr>
           <a:lstStyle>
-            <a:lvl1pPr marL="0" indent="0">
-              <a:buFontTx/>
+            <a:lvl1pPr marL="0" indent="0" algn="l">
+              <a:spcBef>
+                <a:spcPts val="0"/>
+              </a:spcBef>
               <a:buNone/>
               <a:defRPr sz="2400">
                 <a:solidFill>
-                  <a:schemeClr val="tx1">
-                    <a:lumMod val="75000"/>
-                    <a:lumOff val="25000"/>
-                  </a:schemeClr>
+                  <a:schemeClr val="tx1"/>
                 </a:solidFill>
               </a:defRPr>
             </a:lvl1pPr>
             <a:lvl2pPr marL="457200" indent="0">
-              <a:buFontTx/>
-              <a:buNone/>
-              <a:defRPr/>
+              <a:buNone/>
+              <a:defRPr sz="1800">
+                <a:solidFill>
+                  <a:schemeClr val="tx1">
+                    <a:tint val="75000"/>
+                  </a:schemeClr>
+                </a:solidFill>
+              </a:defRPr>
             </a:lvl2pPr>
             <a:lvl3pPr marL="914400" indent="0">
-              <a:buFontTx/>
-              <a:buNone/>
-              <a:defRPr/>
+              <a:buNone/>
+              <a:defRPr sz="1600">
+                <a:solidFill>
+                  <a:schemeClr val="tx1">
+                    <a:tint val="75000"/>
+                  </a:schemeClr>
+                </a:solidFill>
+              </a:defRPr>
             </a:lvl3pPr>
             <a:lvl4pPr marL="1371600" indent="0">
-              <a:buFontTx/>
-              <a:buNone/>
-              <a:defRPr/>
+              <a:buNone/>
+              <a:defRPr sz="1400">
+                <a:solidFill>
+                  <a:schemeClr val="tx1">
+                    <a:tint val="75000"/>
+                  </a:schemeClr>
+                </a:solidFill>
+              </a:defRPr>
             </a:lvl4pPr>
             <a:lvl5pPr marL="1828800" indent="0">
-              <a:buFontTx/>
-              <a:buNone/>
-              <a:defRPr/>
+              <a:buNone/>
+              <a:defRPr sz="1400">
+                <a:solidFill>
+                  <a:schemeClr val="tx1">
+                    <a:tint val="75000"/>
+                  </a:schemeClr>
+                </a:solidFill>
+              </a:defRPr>
             </a:lvl5pPr>
+            <a:lvl6pPr marL="2286000" indent="0">
+              <a:buNone/>
+              <a:defRPr sz="1400">
+                <a:solidFill>
+                  <a:schemeClr val="tx1">
+                    <a:tint val="75000"/>
+                  </a:schemeClr>
+                </a:solidFill>
+              </a:defRPr>
+            </a:lvl6pPr>
+            <a:lvl7pPr marL="2743200" indent="0">
+              <a:buNone/>
+              <a:defRPr sz="1400">
+                <a:solidFill>
+                  <a:schemeClr val="tx1">
+                    <a:tint val="75000"/>
+                  </a:schemeClr>
+                </a:solidFill>
+              </a:defRPr>
+            </a:lvl7pPr>
+            <a:lvl8pPr marL="3200400" indent="0">
+              <a:buNone/>
+              <a:defRPr sz="1400">
+                <a:solidFill>
+                  <a:schemeClr val="tx1">
+                    <a:tint val="75000"/>
+                  </a:schemeClr>
+                </a:solidFill>
+              </a:defRPr>
+            </a:lvl8pPr>
+            <a:lvl9pPr marL="3657600" indent="0">
+              <a:buNone/>
+              <a:defRPr sz="1400">
+                <a:solidFill>
+                  <a:schemeClr val="tx1">
+                    <a:tint val="75000"/>
+                  </a:schemeClr>
+                </a:solidFill>
+              </a:defRPr>
+            </a:lvl9pPr>
           </a:lstStyle>
           <a:p>
             <a:pPr lvl="0"/>
@@ -2295,8 +2328,8 @@
         </p:nvSpPr>
         <p:spPr>
           <a:xfrm>
-            <a:off x="677335" y="4527448"/>
-            <a:ext cx="8596668" cy="1513914"/>
+            <a:off x="1295401" y="4529667"/>
+            <a:ext cx="9609668" cy="1346200"/>
           </a:xfrm>
         </p:spPr>
         <p:txBody>
@@ -2308,10 +2341,7 @@
               <a:buNone/>
               <a:defRPr sz="1800">
                 <a:solidFill>
-                  <a:schemeClr val="tx1">
-                    <a:lumMod val="50000"/>
-                    <a:lumOff val="50000"/>
-                  </a:schemeClr>
+                  <a:schemeClr val="tx1"/>
                 </a:solidFill>
               </a:defRPr>
             </a:lvl1pPr>
@@ -2420,9 +2450,9 @@
           <a:bodyPr/>
           <a:lstStyle/>
           <a:p>
-            <a:fld id="{8AAD1127-0473-492D-912B-1E5F1995D6C5}" type="datetime1">
-              <a:rPr lang="en-US" smtClean="0"/>
-              <a:t>3/30/2024</a:t>
+            <a:fld id="{4EB65108-4E2A-4EBE-AF24-041CD01B401A}" type="datetime1">
+              <a:rPr lang="en-US" smtClean="0"/>
+              <a:t>4/5/2024</a:t>
             </a:fld>
             <a:endParaRPr lang="en-US"/>
           </a:p>
@@ -2445,7 +2475,7 @@
           <a:p>
             <a:r>
               <a:rPr lang="en-US" smtClean="0"/>
-              <a:t>Prepared by Suresh Dahal</a:t>
+              <a:t>Prepared by Aaryan Yadav</a:t>
             </a:r>
             <a:endParaRPr lang="en-US"/>
           </a:p>
@@ -2476,13 +2506,13 @@
       </p:sp>
       <p:sp>
         <p:nvSpPr>
-          <p:cNvPr id="24" name="TextBox 23"/>
+          <p:cNvPr id="12" name="TextBox 11"/>
           <p:cNvSpPr txBox="1"/>
           <p:nvPr/>
         </p:nvSpPr>
         <p:spPr>
           <a:xfrm>
-            <a:off x="541870" y="790378"/>
+            <a:off x="862013" y="879961"/>
             <a:ext cx="609600" cy="584776"/>
           </a:xfrm>
           <a:prstGeom prst="rect">
@@ -2497,18 +2527,11 @@
           <a:p>
             <a:pPr lvl="0"/>
             <a:r>
-              <a:rPr lang="en-US" sz="8000" baseline="0" dirty="0">
-                <a:ln w="3175" cmpd="sng">
-                  <a:noFill/>
-                </a:ln>
-                <a:solidFill>
-                  <a:schemeClr val="accent1">
-                    <a:lumMod val="60000"/>
-                    <a:lumOff val="40000"/>
-                  </a:schemeClr>
+              <a:rPr lang="en-US" sz="8000" dirty="0">
+                <a:solidFill>
+                  <a:schemeClr val="tx1"/>
                 </a:solidFill>
                 <a:effectLst/>
-                <a:latin typeface="Arial"/>
               </a:rPr>
               <a:t>“</a:t>
             </a:r>
@@ -2517,13 +2540,13 @@
       </p:sp>
       <p:sp>
         <p:nvSpPr>
-          <p:cNvPr id="25" name="TextBox 24"/>
+          <p:cNvPr id="13" name="TextBox 12"/>
           <p:cNvSpPr txBox="1"/>
           <p:nvPr/>
         </p:nvSpPr>
         <p:spPr>
           <a:xfrm>
-            <a:off x="8893011" y="2886556"/>
+            <a:off x="10600267" y="2599261"/>
             <a:ext cx="609600" cy="584776"/>
           </a:xfrm>
           <a:prstGeom prst="rect">
@@ -2536,30 +2559,54 @@
           </a:bodyPr>
           <a:lstStyle/>
           <a:p>
-            <a:pPr lvl="0"/>
-            <a:r>
-              <a:rPr lang="en-US" sz="8000" baseline="0" dirty="0">
-                <a:ln w="3175" cmpd="sng">
-                  <a:noFill/>
-                </a:ln>
-                <a:solidFill>
-                  <a:schemeClr val="accent1">
-                    <a:lumMod val="60000"/>
-                    <a:lumOff val="40000"/>
-                  </a:schemeClr>
+            <a:pPr lvl="0" algn="r"/>
+            <a:r>
+              <a:rPr lang="en-US" sz="8000" dirty="0">
+                <a:solidFill>
+                  <a:schemeClr val="tx1"/>
                 </a:solidFill>
                 <a:effectLst/>
-                <a:latin typeface="Arial"/>
               </a:rPr>
               <a:t>”</a:t>
             </a:r>
           </a:p>
         </p:txBody>
       </p:sp>
+      <p:cxnSp>
+        <p:nvCxnSpPr>
+          <p:cNvPr id="26" name="Straight Connector 25"/>
+          <p:cNvCxnSpPr/>
+          <p:nvPr/>
+        </p:nvCxnSpPr>
+        <p:spPr>
+          <a:xfrm>
+            <a:off x="1396169" y="3429000"/>
+            <a:ext cx="9407298" cy="0"/>
+          </a:xfrm>
+          <a:prstGeom prst="line">
+            <a:avLst/>
+          </a:prstGeom>
+          <a:ln w="15875"/>
+        </p:spPr>
+        <p:style>
+          <a:lnRef idx="2">
+            <a:schemeClr val="accent1"/>
+          </a:lnRef>
+          <a:fillRef idx="0">
+            <a:schemeClr val="accent1"/>
+          </a:fillRef>
+          <a:effectRef idx="1">
+            <a:schemeClr val="accent1"/>
+          </a:effectRef>
+          <a:fontRef idx="minor">
+            <a:schemeClr val="tx1"/>
+          </a:fontRef>
+        </p:style>
+      </p:cxnSp>
     </p:spTree>
     <p:extLst>
       <p:ext uri="{BB962C8B-B14F-4D97-AF65-F5344CB8AC3E}">
-        <p14:creationId xmlns:p14="http://schemas.microsoft.com/office/powerpoint/2010/main" val="590310243"/>
+        <p14:creationId xmlns:p14="http://schemas.microsoft.com/office/powerpoint/2010/main" val="3455419071"/>
       </p:ext>
     </p:extLst>
   </p:cSld>
@@ -2569,7 +2616,7 @@
 </p:sldLayout>
 </file>
 
-<file path=ppt/slideLayouts/slideLayout14.xml><?xml version="1.0" encoding="utf-8"?>
+<file path=ppt/slideLayouts/slideLayout15.xml><?xml version="1.0" encoding="utf-8"?>
 <p:sldLayout xmlns:a="http://schemas.openxmlformats.org/drawingml/2006/main" xmlns:r="http://schemas.openxmlformats.org/officeDocument/2006/relationships" xmlns:p="http://schemas.openxmlformats.org/presentationml/2006/main" preserve="1">
   <p:cSld name="True or False">
     <p:spTree>
@@ -2598,20 +2645,21 @@
         </p:nvSpPr>
         <p:spPr>
           <a:xfrm>
-            <a:off x="685799" y="609600"/>
-            <a:ext cx="8588203" cy="3022600"/>
+            <a:off x="1295401" y="982132"/>
+            <a:ext cx="9609666" cy="2243668"/>
           </a:xfrm>
         </p:spPr>
         <p:txBody>
-          <a:bodyPr anchor="ctr">
+          <a:bodyPr vert="horz" lIns="91440" tIns="45720" rIns="91440" bIns="45720" rtlCol="0" anchor="ctr">
             <a:normAutofit/>
           </a:bodyPr>
           <a:lstStyle>
-            <a:lvl1pPr algn="l">
-              <a:defRPr sz="4400" b="0" cap="none"/>
+            <a:lvl1pPr>
+              <a:defRPr lang="en-US" b="0" dirty="0"/>
             </a:lvl1pPr>
           </a:lstStyle>
           <a:p>
+            <a:pPr marL="0" lvl="0"/>
             <a:r>
               <a:rPr lang="en-US" smtClean="0"/>
               <a:t>Click to edit Master title style</a:t>
@@ -2622,54 +2670,116 @@
       </p:sp>
       <p:sp>
         <p:nvSpPr>
-          <p:cNvPr id="23" name="Text Placeholder 9"/>
-          <p:cNvSpPr>
-            <a:spLocks noGrp="1"/>
-          </p:cNvSpPr>
-          <p:nvPr>
-            <p:ph type="body" sz="quarter" idx="13"/>
+          <p:cNvPr id="20" name="Text Placeholder 2"/>
+          <p:cNvSpPr>
+            <a:spLocks noGrp="1"/>
+          </p:cNvSpPr>
+          <p:nvPr>
+            <p:ph type="body" idx="13"/>
           </p:nvPr>
         </p:nvSpPr>
         <p:spPr>
           <a:xfrm>
-            <a:off x="677332" y="4013200"/>
-            <a:ext cx="8596669" cy="514248"/>
+            <a:off x="1295401" y="3630168"/>
+            <a:ext cx="9609668" cy="841248"/>
           </a:xfrm>
         </p:spPr>
         <p:txBody>
           <a:bodyPr anchor="b">
-            <a:noAutofit/>
+            <a:normAutofit/>
           </a:bodyPr>
           <a:lstStyle>
-            <a:lvl1pPr marL="0" indent="0">
-              <a:buFontTx/>
-              <a:buNone/>
-              <a:defRPr sz="2400">
-                <a:solidFill>
-                  <a:schemeClr val="accent1"/>
+            <a:lvl1pPr marL="0" indent="0" algn="l">
+              <a:spcBef>
+                <a:spcPts val="0"/>
+              </a:spcBef>
+              <a:buNone/>
+              <a:defRPr sz="2800">
+                <a:solidFill>
+                  <a:schemeClr val="tx1"/>
                 </a:solidFill>
               </a:defRPr>
             </a:lvl1pPr>
             <a:lvl2pPr marL="457200" indent="0">
-              <a:buFontTx/>
-              <a:buNone/>
-              <a:defRPr/>
+              <a:buNone/>
+              <a:defRPr sz="1800">
+                <a:solidFill>
+                  <a:schemeClr val="tx1">
+                    <a:tint val="75000"/>
+                  </a:schemeClr>
+                </a:solidFill>
+              </a:defRPr>
             </a:lvl2pPr>
             <a:lvl3pPr marL="914400" indent="0">
-              <a:buFontTx/>
-              <a:buNone/>
-              <a:defRPr/>
+              <a:buNone/>
+              <a:defRPr sz="1600">
+                <a:solidFill>
+                  <a:schemeClr val="tx1">
+                    <a:tint val="75000"/>
+                  </a:schemeClr>
+                </a:solidFill>
+              </a:defRPr>
             </a:lvl3pPr>
             <a:lvl4pPr marL="1371600" indent="0">
-              <a:buFontTx/>
-              <a:buNone/>
-              <a:defRPr/>
+              <a:buNone/>
+              <a:defRPr sz="1400">
+                <a:solidFill>
+                  <a:schemeClr val="tx1">
+                    <a:tint val="75000"/>
+                  </a:schemeClr>
+                </a:solidFill>
+              </a:defRPr>
             </a:lvl4pPr>
             <a:lvl5pPr marL="1828800" indent="0">
-              <a:buFontTx/>
-              <a:buNone/>
-              <a:defRPr/>
+              <a:buNone/>
+              <a:defRPr sz="1400">
+                <a:solidFill>
+                  <a:schemeClr val="tx1">
+                    <a:tint val="75000"/>
+                  </a:schemeClr>
+                </a:solidFill>
+              </a:defRPr>
             </a:lvl5pPr>
+            <a:lvl6pPr marL="2286000" indent="0">
+              <a:buNone/>
+              <a:defRPr sz="1400">
+                <a:solidFill>
+                  <a:schemeClr val="tx1">
+                    <a:tint val="75000"/>
+                  </a:schemeClr>
+                </a:solidFill>
+              </a:defRPr>
+            </a:lvl6pPr>
+            <a:lvl7pPr marL="2743200" indent="0">
+              <a:buNone/>
+              <a:defRPr sz="1400">
+                <a:solidFill>
+                  <a:schemeClr val="tx1">
+                    <a:tint val="75000"/>
+                  </a:schemeClr>
+                </a:solidFill>
+              </a:defRPr>
+            </a:lvl7pPr>
+            <a:lvl8pPr marL="3200400" indent="0">
+              <a:buNone/>
+              <a:defRPr sz="1400">
+                <a:solidFill>
+                  <a:schemeClr val="tx1">
+                    <a:tint val="75000"/>
+                  </a:schemeClr>
+                </a:solidFill>
+              </a:defRPr>
+            </a:lvl8pPr>
+            <a:lvl9pPr marL="3657600" indent="0">
+              <a:buNone/>
+              <a:defRPr sz="1400">
+                <a:solidFill>
+                  <a:schemeClr val="tx1">
+                    <a:tint val="75000"/>
+                  </a:schemeClr>
+                </a:solidFill>
+              </a:defRPr>
+            </a:lvl9pPr>
           </a:lstStyle>
           <a:p>
             <a:pPr lvl="0"/>
@@ -2692,8 +2802,8 @@
         </p:nvSpPr>
         <p:spPr>
           <a:xfrm>
-            <a:off x="677335" y="4527448"/>
-            <a:ext cx="8596668" cy="1513914"/>
+            <a:off x="1295400" y="4470399"/>
+            <a:ext cx="9609670" cy="1405467"/>
           </a:xfrm>
         </p:spPr>
         <p:txBody>
@@ -2705,10 +2815,7 @@
               <a:buNone/>
               <a:defRPr sz="1800">
                 <a:solidFill>
-                  <a:schemeClr val="tx1">
-                    <a:lumMod val="50000"/>
-                    <a:lumOff val="50000"/>
-                  </a:schemeClr>
+                  <a:schemeClr val="tx1"/>
                 </a:solidFill>
               </a:defRPr>
             </a:lvl1pPr>
@@ -2817,9 +2924,9 @@
           <a:bodyPr/>
           <a:lstStyle/>
           <a:p>
-            <a:fld id="{3F5E93B7-ED6D-4FD5-8C7C-FC184CCDDFE9}" type="datetime1">
-              <a:rPr lang="en-US" smtClean="0"/>
-              <a:t>3/30/2024</a:t>
+            <a:fld id="{5714197F-1615-4A3E-8973-D2CA351E8AD6}" type="datetime1">
+              <a:rPr lang="en-US" smtClean="0"/>
+              <a:t>4/5/2024</a:t>
             </a:fld>
             <a:endParaRPr lang="en-US"/>
           </a:p>
@@ -2842,7 +2949,7 @@
           <a:p>
             <a:r>
               <a:rPr lang="en-US" smtClean="0"/>
-              <a:t>Prepared by Suresh Dahal</a:t>
+              <a:t>Prepared by Aaryan Yadav</a:t>
             </a:r>
             <a:endParaRPr lang="en-US"/>
           </a:p>
@@ -2871,10 +2978,41 @@
           </a:p>
         </p:txBody>
       </p:sp>
+      <p:cxnSp>
+        <p:nvCxnSpPr>
+          <p:cNvPr id="15" name="Straight Connector 14"/>
+          <p:cNvCxnSpPr/>
+          <p:nvPr/>
+        </p:nvCxnSpPr>
+        <p:spPr>
+          <a:xfrm>
+            <a:off x="1396169" y="3429000"/>
+            <a:ext cx="9407298" cy="0"/>
+          </a:xfrm>
+          <a:prstGeom prst="line">
+            <a:avLst/>
+          </a:prstGeom>
+          <a:ln w="15875"/>
+        </p:spPr>
+        <p:style>
+          <a:lnRef idx="2">
+            <a:schemeClr val="accent1"/>
+          </a:lnRef>
+          <a:fillRef idx="0">
+            <a:schemeClr val="accent1"/>
+          </a:fillRef>
+          <a:effectRef idx="1">
+            <a:schemeClr val="accent1"/>
+          </a:effectRef>
+          <a:fontRef idx="minor">
+            <a:schemeClr val="tx1"/>
+          </a:fontRef>
+        </p:style>
+      </p:cxnSp>
     </p:spTree>
     <p:extLst>
       <p:ext uri="{BB962C8B-B14F-4D97-AF65-F5344CB8AC3E}">
-        <p14:creationId xmlns:p14="http://schemas.microsoft.com/office/powerpoint/2010/main" val="3522441874"/>
+        <p14:creationId xmlns:p14="http://schemas.microsoft.com/office/powerpoint/2010/main" val="2794065332"/>
       </p:ext>
     </p:extLst>
   </p:cSld>
@@ -2884,7 +3022,7 @@
 </p:sldLayout>
 </file>
 
-<file path=ppt/slideLayouts/slideLayout15.xml><?xml version="1.0" encoding="utf-8"?>
+<file path=ppt/slideLayouts/slideLayout16.xml><?xml version="1.0" encoding="utf-8"?>
 <p:sldLayout xmlns:a="http://schemas.openxmlformats.org/drawingml/2006/main" xmlns:r="http://schemas.openxmlformats.org/officeDocument/2006/relationships" xmlns:p="http://schemas.openxmlformats.org/presentationml/2006/main" type="vertTx" preserve="1">
   <p:cSld name="Title and Vertical Text">
     <p:spTree>
@@ -2914,7 +3052,11 @@
         <p:spPr/>
         <p:txBody>
           <a:bodyPr/>
-          <a:lstStyle/>
+          <a:lstStyle>
+            <a:lvl1pPr algn="ctr">
+              <a:defRPr/>
+            </a:lvl1pPr>
+          </a:lstStyle>
           <a:p>
             <a:r>
               <a:rPr lang="en-US" smtClean="0"/>
@@ -2936,7 +3078,7 @@
         </p:nvSpPr>
         <p:spPr/>
         <p:txBody>
-          <a:bodyPr vert="eaVert"/>
+          <a:bodyPr vert="eaVert" anchor="t"/>
           <a:lstStyle/>
           <a:p>
             <a:pPr lvl="0"/>
@@ -2991,9 +3133,9 @@
           <a:bodyPr/>
           <a:lstStyle/>
           <a:p>
-            <a:fld id="{133E3214-8808-42FF-AF81-4A2E71F0397D}" type="datetime1">
-              <a:rPr lang="en-US" smtClean="0"/>
-              <a:t>3/30/2024</a:t>
+            <a:fld id="{2630A455-C33D-4CFA-A648-123FA4CC76A2}" type="datetime1">
+              <a:rPr lang="en-US" smtClean="0"/>
+              <a:t>4/5/2024</a:t>
             </a:fld>
             <a:endParaRPr lang="en-US"/>
           </a:p>
@@ -3016,7 +3158,7 @@
           <a:p>
             <a:r>
               <a:rPr lang="en-US" smtClean="0"/>
-              <a:t>Prepared by Suresh Dahal</a:t>
+              <a:t>Prepared by Aaryan Yadav</a:t>
             </a:r>
             <a:endParaRPr lang="en-US"/>
           </a:p>
@@ -3045,10 +3187,41 @@
           </a:p>
         </p:txBody>
       </p:sp>
+      <p:cxnSp>
+        <p:nvCxnSpPr>
+          <p:cNvPr id="14" name="Straight Connector 13"/>
+          <p:cNvCxnSpPr/>
+          <p:nvPr/>
+        </p:nvCxnSpPr>
+        <p:spPr>
+          <a:xfrm>
+            <a:off x="1396169" y="2421466"/>
+            <a:ext cx="9407298" cy="0"/>
+          </a:xfrm>
+          <a:prstGeom prst="line">
+            <a:avLst/>
+          </a:prstGeom>
+          <a:ln w="15875"/>
+        </p:spPr>
+        <p:style>
+          <a:lnRef idx="2">
+            <a:schemeClr val="accent1"/>
+          </a:lnRef>
+          <a:fillRef idx="0">
+            <a:schemeClr val="accent1"/>
+          </a:fillRef>
+          <a:effectRef idx="1">
+            <a:schemeClr val="accent1"/>
+          </a:effectRef>
+          <a:fontRef idx="minor">
+            <a:schemeClr val="tx1"/>
+          </a:fontRef>
+        </p:style>
+      </p:cxnSp>
     </p:spTree>
     <p:extLst>
       <p:ext uri="{BB962C8B-B14F-4D97-AF65-F5344CB8AC3E}">
-        <p14:creationId xmlns:p14="http://schemas.microsoft.com/office/powerpoint/2010/main" val="751837666"/>
+        <p14:creationId xmlns:p14="http://schemas.microsoft.com/office/powerpoint/2010/main" val="4282458438"/>
       </p:ext>
     </p:extLst>
   </p:cSld>
@@ -3058,7 +3231,7 @@
 </p:sldLayout>
 </file>
 
-<file path=ppt/slideLayouts/slideLayout16.xml><?xml version="1.0" encoding="utf-8"?>
+<file path=ppt/slideLayouts/slideLayout17.xml><?xml version="1.0" encoding="utf-8"?>
 <p:sldLayout xmlns:a="http://schemas.openxmlformats.org/drawingml/2006/main" xmlns:r="http://schemas.openxmlformats.org/officeDocument/2006/relationships" xmlns:p="http://schemas.openxmlformats.org/presentationml/2006/main" type="vertTitleAndTx" preserve="1">
   <p:cSld name="Vertical Title and Text">
     <p:spTree>
@@ -3087,12 +3260,12 @@
         </p:nvSpPr>
         <p:spPr>
           <a:xfrm>
-            <a:off x="7967673" y="609599"/>
-            <a:ext cx="1304743" cy="5251451"/>
+            <a:off x="8999356" y="982131"/>
+            <a:ext cx="1890895" cy="4893735"/>
           </a:xfrm>
         </p:spPr>
         <p:txBody>
-          <a:bodyPr vert="eaVert" anchor="ctr"/>
+          <a:bodyPr vert="eaVert"/>
           <a:lstStyle/>
           <a:p>
             <a:r>
@@ -3115,12 +3288,12 @@
         </p:nvSpPr>
         <p:spPr>
           <a:xfrm>
-            <a:off x="677335" y="609600"/>
-            <a:ext cx="7060150" cy="5251450"/>
+            <a:off x="1295398" y="982132"/>
+            <a:ext cx="7433025" cy="4893734"/>
           </a:xfrm>
         </p:spPr>
         <p:txBody>
-          <a:bodyPr vert="eaVert"/>
+          <a:bodyPr vert="eaVert" anchor="t"/>
           <a:lstStyle/>
           <a:p>
             <a:pPr lvl="0"/>
@@ -3175,9 +3348,9 @@
           <a:bodyPr/>
           <a:lstStyle/>
           <a:p>
-            <a:fld id="{773D45CD-C83C-4A32-8207-0A881238AC37}" type="datetime1">
-              <a:rPr lang="en-US" smtClean="0"/>
-              <a:t>3/30/2024</a:t>
+            <a:fld id="{E0FCB8BB-3171-41BE-8ED4-0A9A58778331}" type="datetime1">
+              <a:rPr lang="en-US" smtClean="0"/>
+              <a:t>4/5/2024</a:t>
             </a:fld>
             <a:endParaRPr lang="en-US"/>
           </a:p>
@@ -3200,7 +3373,7 @@
           <a:p>
             <a:r>
               <a:rPr lang="en-US" smtClean="0"/>
-              <a:t>Prepared by Suresh Dahal</a:t>
+              <a:t>Prepared by Aaryan Yadav</a:t>
             </a:r>
             <a:endParaRPr lang="en-US"/>
           </a:p>
@@ -3229,10 +3402,41 @@
           </a:p>
         </p:txBody>
       </p:sp>
+      <p:cxnSp>
+        <p:nvCxnSpPr>
+          <p:cNvPr id="14" name="Straight Connector 13"/>
+          <p:cNvCxnSpPr/>
+          <p:nvPr/>
+        </p:nvCxnSpPr>
+        <p:spPr>
+          <a:xfrm>
+            <a:off x="8863890" y="990600"/>
+            <a:ext cx="0" cy="4876800"/>
+          </a:xfrm>
+          <a:prstGeom prst="line">
+            <a:avLst/>
+          </a:prstGeom>
+          <a:ln w="15875"/>
+        </p:spPr>
+        <p:style>
+          <a:lnRef idx="2">
+            <a:schemeClr val="accent1"/>
+          </a:lnRef>
+          <a:fillRef idx="0">
+            <a:schemeClr val="accent1"/>
+          </a:fillRef>
+          <a:effectRef idx="1">
+            <a:schemeClr val="accent1"/>
+          </a:effectRef>
+          <a:fontRef idx="minor">
+            <a:schemeClr val="tx1"/>
+          </a:fontRef>
+        </p:style>
+      </p:cxnSp>
     </p:spTree>
     <p:extLst>
       <p:ext uri="{BB962C8B-B14F-4D97-AF65-F5344CB8AC3E}">
-        <p14:creationId xmlns:p14="http://schemas.microsoft.com/office/powerpoint/2010/main" val="1570543738"/>
+        <p14:creationId xmlns:p14="http://schemas.microsoft.com/office/powerpoint/2010/main" val="3417920251"/>
       </p:ext>
     </p:extLst>
   </p:cSld>
@@ -3259,6 +3463,37 @@
           <a:chExt cx="0" cy="0"/>
         </a:xfrm>
       </p:grpSpPr>
+      <p:cxnSp>
+        <p:nvCxnSpPr>
+          <p:cNvPr id="7" name="Straight Connector 6"/>
+          <p:cNvCxnSpPr/>
+          <p:nvPr/>
+        </p:nvCxnSpPr>
+        <p:spPr>
+          <a:xfrm>
+            <a:off x="1396169" y="2421466"/>
+            <a:ext cx="9407298" cy="0"/>
+          </a:xfrm>
+          <a:prstGeom prst="line">
+            <a:avLst/>
+          </a:prstGeom>
+          <a:ln w="15875"/>
+        </p:spPr>
+        <p:style>
+          <a:lnRef idx="2">
+            <a:schemeClr val="accent1"/>
+          </a:lnRef>
+          <a:fillRef idx="0">
+            <a:schemeClr val="accent1"/>
+          </a:fillRef>
+          <a:effectRef idx="1">
+            <a:schemeClr val="accent1"/>
+          </a:effectRef>
+          <a:fontRef idx="minor">
+            <a:schemeClr val="tx1"/>
+          </a:fontRef>
+        </p:style>
+      </p:cxnSp>
       <p:sp>
         <p:nvSpPr>
           <p:cNvPr id="2" name="Title 1"/>
@@ -3271,14 +3506,8 @@
         </p:nvSpPr>
         <p:spPr/>
         <p:txBody>
-          <a:bodyPr>
-            <a:normAutofit/>
-          </a:bodyPr>
-          <a:lstStyle>
-            <a:lvl1pPr>
-              <a:defRPr sz="3600"/>
-            </a:lvl1pPr>
-          </a:lstStyle>
+          <a:bodyPr/>
+          <a:lstStyle/>
           <a:p>
             <a:r>
               <a:rPr lang="en-US" smtClean="0"/>
@@ -3355,9 +3584,9 @@
           <a:bodyPr/>
           <a:lstStyle/>
           <a:p>
-            <a:fld id="{26360561-F25F-4A78-B16F-10DC08965ED1}" type="datetime1">
-              <a:rPr lang="en-US" smtClean="0"/>
-              <a:t>3/30/2024</a:t>
+            <a:fld id="{4C932349-F426-491B-AE4E-316D23B6D8DA}" type="datetime1">
+              <a:rPr lang="en-US" smtClean="0"/>
+              <a:t>4/5/2024</a:t>
             </a:fld>
             <a:endParaRPr lang="en-US"/>
           </a:p>
@@ -3380,7 +3609,7 @@
           <a:p>
             <a:r>
               <a:rPr lang="en-US" smtClean="0"/>
-              <a:t>Prepared by Suresh Dahal</a:t>
+              <a:t>Prepared by Aaryan Yadav</a:t>
             </a:r>
             <a:endParaRPr lang="en-US"/>
           </a:p>
@@ -3412,7 +3641,7 @@
     </p:spTree>
     <p:extLst>
       <p:ext uri="{BB962C8B-B14F-4D97-AF65-F5344CB8AC3E}">
-        <p14:creationId xmlns:p14="http://schemas.microsoft.com/office/powerpoint/2010/main" val="4179719148"/>
+        <p14:creationId xmlns:p14="http://schemas.microsoft.com/office/powerpoint/2010/main" val="3104614919"/>
       </p:ext>
     </p:extLst>
   </p:cSld>
@@ -3451,15 +3680,17 @@
         </p:nvSpPr>
         <p:spPr>
           <a:xfrm>
-            <a:off x="677335" y="2700867"/>
-            <a:ext cx="8596668" cy="1826581"/>
+            <a:off x="2015069" y="1752606"/>
+            <a:ext cx="8158688" cy="1822514"/>
           </a:xfrm>
         </p:spPr>
         <p:txBody>
-          <a:bodyPr anchor="b"/>
+          <a:bodyPr anchor="b">
+            <a:normAutofit/>
+          </a:bodyPr>
           <a:lstStyle>
-            <a:lvl1pPr algn="l">
-              <a:defRPr sz="4000" b="0" cap="none"/>
+            <a:lvl1pPr algn="ctr">
+              <a:defRPr sz="4400" b="0" cap="none"/>
             </a:lvl1pPr>
           </a:lstStyle>
           <a:p>
@@ -3483,21 +3714,20 @@
         </p:nvSpPr>
         <p:spPr>
           <a:xfrm>
-            <a:off x="677335" y="4527448"/>
-            <a:ext cx="8596668" cy="860400"/>
+            <a:off x="2015067" y="3846051"/>
+            <a:ext cx="8158690" cy="954547"/>
           </a:xfrm>
         </p:spPr>
         <p:txBody>
-          <a:bodyPr anchor="t"/>
+          <a:bodyPr anchor="t">
+            <a:normAutofit/>
+          </a:bodyPr>
           <a:lstStyle>
-            <a:lvl1pPr marL="0" indent="0" algn="l">
-              <a:buNone/>
-              <a:defRPr sz="2000">
-                <a:solidFill>
-                  <a:schemeClr val="tx1">
-                    <a:lumMod val="50000"/>
-                    <a:lumOff val="50000"/>
-                  </a:schemeClr>
+            <a:lvl1pPr marL="0" indent="0" algn="ctr">
+              <a:buNone/>
+              <a:defRPr sz="2400">
+                <a:solidFill>
+                  <a:schemeClr val="tx1"/>
                 </a:solidFill>
               </a:defRPr>
             </a:lvl1pPr>
@@ -3606,9 +3836,9 @@
           <a:bodyPr/>
           <a:lstStyle/>
           <a:p>
-            <a:fld id="{3769C859-35C5-491B-90E8-D5DB28CA2833}" type="datetime1">
-              <a:rPr lang="en-US" smtClean="0"/>
-              <a:t>3/30/2024</a:t>
+            <a:fld id="{DEF38D55-C9F6-446A-98C2-749A98BDE210}" type="datetime1">
+              <a:rPr lang="en-US" smtClean="0"/>
+              <a:t>4/5/2024</a:t>
             </a:fld>
             <a:endParaRPr lang="en-US"/>
           </a:p>
@@ -3631,7 +3861,7 @@
           <a:p>
             <a:r>
               <a:rPr lang="en-US" smtClean="0"/>
-              <a:t>Prepared by Suresh Dahal</a:t>
+              <a:t>Prepared by Aaryan Yadav</a:t>
             </a:r>
             <a:endParaRPr lang="en-US"/>
           </a:p>
@@ -3660,10 +3890,41 @@
           </a:p>
         </p:txBody>
       </p:sp>
+      <p:cxnSp>
+        <p:nvCxnSpPr>
+          <p:cNvPr id="16" name="Straight Connector 15"/>
+          <p:cNvCxnSpPr/>
+          <p:nvPr/>
+        </p:nvCxnSpPr>
+        <p:spPr>
+          <a:xfrm>
+            <a:off x="2012723" y="3710585"/>
+            <a:ext cx="8163380" cy="0"/>
+          </a:xfrm>
+          <a:prstGeom prst="line">
+            <a:avLst/>
+          </a:prstGeom>
+          <a:ln w="15875"/>
+        </p:spPr>
+        <p:style>
+          <a:lnRef idx="2">
+            <a:schemeClr val="accent1"/>
+          </a:lnRef>
+          <a:fillRef idx="0">
+            <a:schemeClr val="accent1"/>
+          </a:fillRef>
+          <a:effectRef idx="1">
+            <a:schemeClr val="accent1"/>
+          </a:effectRef>
+          <a:fontRef idx="minor">
+            <a:schemeClr val="tx1"/>
+          </a:fontRef>
+        </p:style>
+      </p:cxnSp>
     </p:spTree>
     <p:extLst>
       <p:ext uri="{BB962C8B-B14F-4D97-AF65-F5344CB8AC3E}">
-        <p14:creationId xmlns:p14="http://schemas.microsoft.com/office/powerpoint/2010/main" val="948605226"/>
+        <p14:creationId xmlns:p14="http://schemas.microsoft.com/office/powerpoint/2010/main" val="1271702067"/>
       </p:ext>
     </p:extLst>
   </p:cSld>
@@ -3690,47 +3951,80 @@
           <a:chExt cx="0" cy="0"/>
         </a:xfrm>
       </p:grpSpPr>
-      <p:sp>
-        <p:nvSpPr>
-          <p:cNvPr id="2" name="Title 1"/>
-          <p:cNvSpPr>
-            <a:spLocks noGrp="1"/>
-          </p:cNvSpPr>
-          <p:nvPr>
-            <p:ph type="title"/>
-          </p:nvPr>
-        </p:nvSpPr>
-        <p:spPr/>
-        <p:txBody>
-          <a:bodyPr/>
-          <a:lstStyle/>
-          <a:p>
-            <a:r>
-              <a:rPr lang="en-US" smtClean="0"/>
-              <a:t>Click to edit Master title style</a:t>
-            </a:r>
-            <a:endParaRPr lang="en-US" dirty="0"/>
-          </a:p>
-        </p:txBody>
-      </p:sp>
-      <p:sp>
-        <p:nvSpPr>
-          <p:cNvPr id="3" name="Content Placeholder 2"/>
-          <p:cNvSpPr>
-            <a:spLocks noGrp="1"/>
-          </p:cNvSpPr>
-          <p:nvPr>
-            <p:ph sz="half" idx="1"/>
-          </p:nvPr>
-        </p:nvSpPr>
+      <p:cxnSp>
+        <p:nvCxnSpPr>
+          <p:cNvPr id="8" name="Straight Connector 7"/>
+          <p:cNvCxnSpPr/>
+          <p:nvPr/>
+        </p:nvCxnSpPr>
         <p:spPr>
           <a:xfrm>
-            <a:off x="677334" y="2160589"/>
-            <a:ext cx="4184035" cy="3880772"/>
+            <a:off x="1396169" y="2421466"/>
+            <a:ext cx="9407298" cy="0"/>
+          </a:xfrm>
+          <a:prstGeom prst="line">
+            <a:avLst/>
+          </a:prstGeom>
+          <a:ln w="15875"/>
+        </p:spPr>
+        <p:style>
+          <a:lnRef idx="2">
+            <a:schemeClr val="accent1"/>
+          </a:lnRef>
+          <a:fillRef idx="0">
+            <a:schemeClr val="accent1"/>
+          </a:fillRef>
+          <a:effectRef idx="1">
+            <a:schemeClr val="accent1"/>
+          </a:effectRef>
+          <a:fontRef idx="minor">
+            <a:schemeClr val="tx1"/>
+          </a:fontRef>
+        </p:style>
+      </p:cxnSp>
+      <p:sp>
+        <p:nvSpPr>
+          <p:cNvPr id="2" name="Title 1"/>
+          <p:cNvSpPr>
+            <a:spLocks noGrp="1"/>
+          </p:cNvSpPr>
+          <p:nvPr>
+            <p:ph type="title"/>
+          </p:nvPr>
+        </p:nvSpPr>
+        <p:spPr/>
+        <p:txBody>
+          <a:bodyPr/>
+          <a:lstStyle/>
+          <a:p>
+            <a:r>
+              <a:rPr lang="en-US" smtClean="0"/>
+              <a:t>Click to edit Master title style</a:t>
+            </a:r>
+            <a:endParaRPr lang="en-US" dirty="0"/>
+          </a:p>
+        </p:txBody>
+      </p:sp>
+      <p:sp>
+        <p:nvSpPr>
+          <p:cNvPr id="3" name="Content Placeholder 2"/>
+          <p:cNvSpPr>
+            <a:spLocks noGrp="1"/>
+          </p:cNvSpPr>
+          <p:nvPr>
+            <p:ph sz="half" idx="1"/>
+          </p:nvPr>
+        </p:nvSpPr>
+        <p:spPr>
+          <a:xfrm>
+            <a:off x="1298448" y="2560320"/>
+            <a:ext cx="4718304" cy="3310128"/>
           </a:xfrm>
         </p:spPr>
         <p:txBody>
-          <a:bodyPr/>
+          <a:bodyPr>
+            <a:normAutofit/>
+          </a:bodyPr>
           <a:lstStyle/>
           <a:p>
             <a:pPr lvl="0"/>
@@ -3782,69 +4076,71 @@
         </p:nvSpPr>
         <p:spPr>
           <a:xfrm>
-            <a:off x="5089970" y="2160589"/>
-            <a:ext cx="4184034" cy="3880773"/>
+            <a:off x="6181344" y="2560320"/>
+            <a:ext cx="4718304" cy="3310128"/>
           </a:xfrm>
         </p:spPr>
         <p:txBody>
+          <a:bodyPr>
+            <a:normAutofit/>
+          </a:bodyPr>
+          <a:lstStyle/>
+          <a:p>
+            <a:pPr lvl="0"/>
+            <a:r>
+              <a:rPr lang="en-US" smtClean="0"/>
+              <a:t>Edit Master text styles</a:t>
+            </a:r>
+          </a:p>
+          <a:p>
+            <a:pPr lvl="1"/>
+            <a:r>
+              <a:rPr lang="en-US" smtClean="0"/>
+              <a:t>Second level</a:t>
+            </a:r>
+          </a:p>
+          <a:p>
+            <a:pPr lvl="2"/>
+            <a:r>
+              <a:rPr lang="en-US" smtClean="0"/>
+              <a:t>Third level</a:t>
+            </a:r>
+          </a:p>
+          <a:p>
+            <a:pPr lvl="3"/>
+            <a:r>
+              <a:rPr lang="en-US" smtClean="0"/>
+              <a:t>Fourth level</a:t>
+            </a:r>
+          </a:p>
+          <a:p>
+            <a:pPr lvl="4"/>
+            <a:r>
+              <a:rPr lang="en-US" smtClean="0"/>
+              <a:t>Fifth level</a:t>
+            </a:r>
+            <a:endParaRPr lang="en-US" dirty="0"/>
+          </a:p>
+        </p:txBody>
+      </p:sp>
+      <p:sp>
+        <p:nvSpPr>
+          <p:cNvPr id="5" name="Date Placeholder 4"/>
+          <p:cNvSpPr>
+            <a:spLocks noGrp="1"/>
+          </p:cNvSpPr>
+          <p:nvPr>
+            <p:ph type="dt" sz="half" idx="10"/>
+          </p:nvPr>
+        </p:nvSpPr>
+        <p:spPr/>
+        <p:txBody>
           <a:bodyPr/>
           <a:lstStyle/>
           <a:p>
-            <a:pPr lvl="0"/>
-            <a:r>
-              <a:rPr lang="en-US" smtClean="0"/>
-              <a:t>Edit Master text styles</a:t>
-            </a:r>
-          </a:p>
-          <a:p>
-            <a:pPr lvl="1"/>
-            <a:r>
-              <a:rPr lang="en-US" smtClean="0"/>
-              <a:t>Second level</a:t>
-            </a:r>
-          </a:p>
-          <a:p>
-            <a:pPr lvl="2"/>
-            <a:r>
-              <a:rPr lang="en-US" smtClean="0"/>
-              <a:t>Third level</a:t>
-            </a:r>
-          </a:p>
-          <a:p>
-            <a:pPr lvl="3"/>
-            <a:r>
-              <a:rPr lang="en-US" smtClean="0"/>
-              <a:t>Fourth level</a:t>
-            </a:r>
-          </a:p>
-          <a:p>
-            <a:pPr lvl="4"/>
-            <a:r>
-              <a:rPr lang="en-US" smtClean="0"/>
-              <a:t>Fifth level</a:t>
-            </a:r>
-            <a:endParaRPr lang="en-US" dirty="0"/>
-          </a:p>
-        </p:txBody>
-      </p:sp>
-      <p:sp>
-        <p:nvSpPr>
-          <p:cNvPr id="5" name="Date Placeholder 4"/>
-          <p:cNvSpPr>
-            <a:spLocks noGrp="1"/>
-          </p:cNvSpPr>
-          <p:nvPr>
-            <p:ph type="dt" sz="half" idx="10"/>
-          </p:nvPr>
-        </p:nvSpPr>
-        <p:spPr/>
-        <p:txBody>
-          <a:bodyPr/>
-          <a:lstStyle/>
-          <a:p>
-            <a:fld id="{FD34F867-E294-4F60-B01B-C860D2899C9A}" type="datetime1">
-              <a:rPr lang="en-US" smtClean="0"/>
-              <a:t>3/30/2024</a:t>
+            <a:fld id="{FD93F61D-1C4B-415E-98A7-586E7C06A230}" type="datetime1">
+              <a:rPr lang="en-US" smtClean="0"/>
+              <a:t>4/5/2024</a:t>
             </a:fld>
             <a:endParaRPr lang="en-US"/>
           </a:p>
@@ -3867,7 +4163,7 @@
           <a:p>
             <a:r>
               <a:rPr lang="en-US" smtClean="0"/>
-              <a:t>Prepared by Suresh Dahal</a:t>
+              <a:t>Prepared by Aaryan Yadav</a:t>
             </a:r>
             <a:endParaRPr lang="en-US"/>
           </a:p>
@@ -3899,7 +4195,7 @@
     </p:spTree>
     <p:extLst>
       <p:ext uri="{BB962C8B-B14F-4D97-AF65-F5344CB8AC3E}">
-        <p14:creationId xmlns:p14="http://schemas.microsoft.com/office/powerpoint/2010/main" val="3913174007"/>
+        <p14:creationId xmlns:p14="http://schemas.microsoft.com/office/powerpoint/2010/main" val="1610160468"/>
       </p:ext>
     </p:extLst>
   </p:cSld>
@@ -3965,8 +4261,8 @@
         </p:nvSpPr>
         <p:spPr>
           <a:xfrm>
-            <a:off x="675745" y="2160983"/>
-            <a:ext cx="4185623" cy="576262"/>
+            <a:off x="1295400" y="2658533"/>
+            <a:ext cx="4718304" cy="576262"/>
           </a:xfrm>
         </p:spPr>
         <p:txBody>
@@ -3975,8 +4271,18 @@
           </a:bodyPr>
           <a:lstStyle>
             <a:lvl1pPr marL="0" indent="0">
-              <a:buNone/>
-              <a:defRPr sz="2400" b="0"/>
+              <a:spcBef>
+                <a:spcPts val="672"/>
+              </a:spcBef>
+              <a:spcAft>
+                <a:spcPts val="600"/>
+              </a:spcAft>
+              <a:buNone/>
+              <a:defRPr sz="2800" b="0">
+                <a:solidFill>
+                  <a:schemeClr val="accent1"/>
+                </a:solidFill>
+              </a:defRPr>
             </a:lvl1pPr>
             <a:lvl2pPr marL="457200" indent="0">
               <a:buNone/>
@@ -4032,12 +4338,12 @@
         </p:nvSpPr>
         <p:spPr>
           <a:xfrm>
-            <a:off x="675745" y="2737245"/>
-            <a:ext cx="4185623" cy="3304117"/>
+            <a:off x="1295400" y="3243262"/>
+            <a:ext cx="4718304" cy="2632605"/>
           </a:xfrm>
         </p:spPr>
         <p:txBody>
-          <a:bodyPr>
+          <a:bodyPr anchor="t">
             <a:normAutofit/>
           </a:bodyPr>
           <a:lstStyle/>
@@ -4091,8 +4397,8 @@
         </p:nvSpPr>
         <p:spPr>
           <a:xfrm>
-            <a:off x="5088383" y="2160983"/>
-            <a:ext cx="4185618" cy="576262"/>
+            <a:off x="6180670" y="2658533"/>
+            <a:ext cx="4718304" cy="576262"/>
           </a:xfrm>
         </p:spPr>
         <p:txBody>
@@ -4101,8 +4407,18 @@
           </a:bodyPr>
           <a:lstStyle>
             <a:lvl1pPr marL="0" indent="0">
-              <a:buNone/>
-              <a:defRPr sz="2400" b="0"/>
+              <a:spcBef>
+                <a:spcPts val="672"/>
+              </a:spcBef>
+              <a:spcAft>
+                <a:spcPts val="600"/>
+              </a:spcAft>
+              <a:buNone/>
+              <a:defRPr sz="2800" b="0">
+                <a:solidFill>
+                  <a:schemeClr val="accent1"/>
+                </a:solidFill>
+              </a:defRPr>
             </a:lvl1pPr>
             <a:lvl2pPr marL="457200" indent="0">
               <a:buNone/>
@@ -4158,12 +4474,12 @@
         </p:nvSpPr>
         <p:spPr>
           <a:xfrm>
-            <a:off x="5088384" y="2737245"/>
-            <a:ext cx="4185617" cy="3304117"/>
+            <a:off x="6180670" y="3243262"/>
+            <a:ext cx="4718304" cy="2632605"/>
           </a:xfrm>
         </p:spPr>
         <p:txBody>
-          <a:bodyPr>
+          <a:bodyPr anchor="t">
             <a:normAutofit/>
           </a:bodyPr>
           <a:lstStyle/>
@@ -4220,9 +4536,9 @@
           <a:bodyPr/>
           <a:lstStyle/>
           <a:p>
-            <a:fld id="{D0F0F0C3-A36B-460D-88E9-55D3E52504BF}" type="datetime1">
-              <a:rPr lang="en-US" smtClean="0"/>
-              <a:t>3/30/2024</a:t>
+            <a:fld id="{20B5A545-6FC9-4F20-961C-57D151DE8FB7}" type="datetime1">
+              <a:rPr lang="en-US" smtClean="0"/>
+              <a:t>4/5/2024</a:t>
             </a:fld>
             <a:endParaRPr lang="en-US"/>
           </a:p>
@@ -4245,7 +4561,7 @@
           <a:p>
             <a:r>
               <a:rPr lang="en-US" smtClean="0"/>
-              <a:t>Prepared by Suresh Dahal</a:t>
+              <a:t>Prepared by Aaryan Yadav</a:t>
             </a:r>
             <a:endParaRPr lang="en-US"/>
           </a:p>
@@ -4274,10 +4590,41 @@
           </a:p>
         </p:txBody>
       </p:sp>
+      <p:cxnSp>
+        <p:nvCxnSpPr>
+          <p:cNvPr id="18" name="Straight Connector 17"/>
+          <p:cNvCxnSpPr/>
+          <p:nvPr/>
+        </p:nvCxnSpPr>
+        <p:spPr>
+          <a:xfrm>
+            <a:off x="1396169" y="2421466"/>
+            <a:ext cx="9407298" cy="0"/>
+          </a:xfrm>
+          <a:prstGeom prst="line">
+            <a:avLst/>
+          </a:prstGeom>
+          <a:ln w="15875"/>
+        </p:spPr>
+        <p:style>
+          <a:lnRef idx="2">
+            <a:schemeClr val="accent1"/>
+          </a:lnRef>
+          <a:fillRef idx="0">
+            <a:schemeClr val="accent1"/>
+          </a:fillRef>
+          <a:effectRef idx="1">
+            <a:schemeClr val="accent1"/>
+          </a:effectRef>
+          <a:fontRef idx="minor">
+            <a:schemeClr val="tx1"/>
+          </a:fontRef>
+        </p:style>
+      </p:cxnSp>
     </p:spTree>
     <p:extLst>
       <p:ext uri="{BB962C8B-B14F-4D97-AF65-F5344CB8AC3E}">
-        <p14:creationId xmlns:p14="http://schemas.microsoft.com/office/powerpoint/2010/main" val="511886255"/>
+        <p14:creationId xmlns:p14="http://schemas.microsoft.com/office/powerpoint/2010/main" val="189243991"/>
       </p:ext>
     </p:extLst>
   </p:cSld>
@@ -4314,12 +4661,7 @@
             <p:ph type="title"/>
           </p:nvPr>
         </p:nvSpPr>
-        <p:spPr>
-          <a:xfrm>
-            <a:off x="677334" y="609600"/>
-            <a:ext cx="8596668" cy="1320800"/>
-          </a:xfrm>
-        </p:spPr>
+        <p:spPr/>
         <p:txBody>
           <a:bodyPr/>
           <a:lstStyle/>
@@ -4347,9 +4689,9 @@
           <a:bodyPr/>
           <a:lstStyle/>
           <a:p>
-            <a:fld id="{8472CA6D-4D65-4145-9294-CE6F6FFF19DD}" type="datetime1">
-              <a:rPr lang="en-US" smtClean="0"/>
-              <a:t>3/30/2024</a:t>
+            <a:fld id="{C4C3AB8A-BD3A-462C-8695-F7275F5BDAB9}" type="datetime1">
+              <a:rPr lang="en-US" smtClean="0"/>
+              <a:t>4/5/2024</a:t>
             </a:fld>
             <a:endParaRPr lang="en-US"/>
           </a:p>
@@ -4372,7 +4714,7 @@
           <a:p>
             <a:r>
               <a:rPr lang="en-US" smtClean="0"/>
-              <a:t>Prepared by Suresh Dahal</a:t>
+              <a:t>Prepared by Aaryan Yadav</a:t>
             </a:r>
             <a:endParaRPr lang="en-US"/>
           </a:p>
@@ -4401,10 +4743,41 @@
           </a:p>
         </p:txBody>
       </p:sp>
+      <p:cxnSp>
+        <p:nvCxnSpPr>
+          <p:cNvPr id="14" name="Straight Connector 13"/>
+          <p:cNvCxnSpPr/>
+          <p:nvPr/>
+        </p:nvCxnSpPr>
+        <p:spPr>
+          <a:xfrm>
+            <a:off x="1396169" y="2421466"/>
+            <a:ext cx="9407298" cy="0"/>
+          </a:xfrm>
+          <a:prstGeom prst="line">
+            <a:avLst/>
+          </a:prstGeom>
+          <a:ln w="15875"/>
+        </p:spPr>
+        <p:style>
+          <a:lnRef idx="2">
+            <a:schemeClr val="accent1"/>
+          </a:lnRef>
+          <a:fillRef idx="0">
+            <a:schemeClr val="accent1"/>
+          </a:fillRef>
+          <a:effectRef idx="1">
+            <a:schemeClr val="accent1"/>
+          </a:effectRef>
+          <a:fontRef idx="minor">
+            <a:schemeClr val="tx1"/>
+          </a:fontRef>
+        </p:style>
+      </p:cxnSp>
     </p:spTree>
     <p:extLst>
       <p:ext uri="{BB962C8B-B14F-4D97-AF65-F5344CB8AC3E}">
-        <p14:creationId xmlns:p14="http://schemas.microsoft.com/office/powerpoint/2010/main" val="3071546905"/>
+        <p14:creationId xmlns:p14="http://schemas.microsoft.com/office/powerpoint/2010/main" val="177270997"/>
       </p:ext>
     </p:extLst>
   </p:cSld>
@@ -4446,9 +4819,9 @@
           <a:bodyPr/>
           <a:lstStyle/>
           <a:p>
-            <a:fld id="{DC57A105-7C80-436D-92F5-99FB62736290}" type="datetime1">
-              <a:rPr lang="en-US" smtClean="0"/>
-              <a:t>3/30/2024</a:t>
+            <a:fld id="{0064FC59-C6D8-460F-ADEE-70B1A1F30F20}" type="datetime1">
+              <a:rPr lang="en-US" smtClean="0"/>
+              <a:t>4/5/2024</a:t>
             </a:fld>
             <a:endParaRPr lang="en-US"/>
           </a:p>
@@ -4471,7 +4844,7 @@
           <a:p>
             <a:r>
               <a:rPr lang="en-US" smtClean="0"/>
-              <a:t>Prepared by Suresh Dahal</a:t>
+              <a:t>Prepared by Aaryan Yadav</a:t>
             </a:r>
             <a:endParaRPr lang="en-US"/>
           </a:p>
@@ -4503,7 +4876,7 @@
     </p:spTree>
     <p:extLst>
       <p:ext uri="{BB962C8B-B14F-4D97-AF65-F5344CB8AC3E}">
-        <p14:creationId xmlns:p14="http://schemas.microsoft.com/office/powerpoint/2010/main" val="3245358802"/>
+        <p14:creationId xmlns:p14="http://schemas.microsoft.com/office/powerpoint/2010/main" val="3347464526"/>
       </p:ext>
     </p:extLst>
   </p:cSld>
@@ -4542,8 +4915,8 @@
         </p:nvSpPr>
         <p:spPr>
           <a:xfrm>
-            <a:off x="677334" y="1498604"/>
-            <a:ext cx="3854528" cy="1278466"/>
+            <a:off x="1293811" y="1388534"/>
+            <a:ext cx="3718455" cy="1371600"/>
           </a:xfrm>
         </p:spPr>
         <p:txBody>
@@ -4551,8 +4924,8 @@
             <a:normAutofit/>
           </a:bodyPr>
           <a:lstStyle>
-            <a:lvl1pPr>
-              <a:defRPr sz="2000"/>
+            <a:lvl1pPr algn="ctr">
+              <a:defRPr sz="2400" b="0"/>
             </a:lvl1pPr>
           </a:lstStyle>
           <a:p>
@@ -4576,12 +4949,12 @@
         </p:nvSpPr>
         <p:spPr>
           <a:xfrm>
-            <a:off x="4760461" y="514924"/>
-            <a:ext cx="4513541" cy="5526437"/>
+            <a:off x="5418668" y="982131"/>
+            <a:ext cx="5469466" cy="4893735"/>
           </a:xfrm>
         </p:spPr>
         <p:txBody>
-          <a:bodyPr>
+          <a:bodyPr anchor="ctr">
             <a:normAutofit/>
           </a:bodyPr>
           <a:lstStyle/>
@@ -4635,50 +5008,50 @@
         </p:nvSpPr>
         <p:spPr>
           <a:xfrm>
-            <a:off x="677334" y="2777069"/>
-            <a:ext cx="3854528" cy="2584449"/>
+            <a:off x="1293811" y="3031065"/>
+            <a:ext cx="3718455" cy="2438404"/>
           </a:xfrm>
         </p:spPr>
         <p:txBody>
-          <a:bodyPr>
+          <a:bodyPr anchor="t">
             <a:normAutofit/>
           </a:bodyPr>
           <a:lstStyle>
-            <a:lvl1pPr marL="0" indent="0">
-              <a:buNone/>
-              <a:defRPr sz="1400"/>
+            <a:lvl1pPr marL="0" indent="0" algn="ctr">
+              <a:buNone/>
+              <a:defRPr sz="1600"/>
             </a:lvl1pPr>
-            <a:lvl2pPr marL="457063" indent="0">
-              <a:buNone/>
-              <a:defRPr sz="1400"/>
+            <a:lvl2pPr marL="457200" indent="0">
+              <a:buNone/>
+              <a:defRPr sz="1200"/>
             </a:lvl2pPr>
-            <a:lvl3pPr marL="914126" indent="0">
-              <a:buNone/>
-              <a:defRPr sz="1200"/>
+            <a:lvl3pPr marL="914400" indent="0">
+              <a:buNone/>
+              <a:defRPr sz="1000"/>
             </a:lvl3pPr>
-            <a:lvl4pPr marL="1371189" indent="0">
-              <a:buNone/>
-              <a:defRPr sz="1000"/>
+            <a:lvl4pPr marL="1371600" indent="0">
+              <a:buNone/>
+              <a:defRPr sz="900"/>
             </a:lvl4pPr>
-            <a:lvl5pPr marL="1828251" indent="0">
-              <a:buNone/>
-              <a:defRPr sz="1000"/>
+            <a:lvl5pPr marL="1828800" indent="0">
+              <a:buNone/>
+              <a:defRPr sz="900"/>
             </a:lvl5pPr>
-            <a:lvl6pPr marL="2285314" indent="0">
-              <a:buNone/>
-              <a:defRPr sz="1000"/>
+            <a:lvl6pPr marL="2286000" indent="0">
+              <a:buNone/>
+              <a:defRPr sz="900"/>
             </a:lvl6pPr>
-            <a:lvl7pPr marL="2742377" indent="0">
-              <a:buNone/>
-              <a:defRPr sz="1000"/>
+            <a:lvl7pPr marL="2743200" indent="0">
+              <a:buNone/>
+              <a:defRPr sz="900"/>
             </a:lvl7pPr>
-            <a:lvl8pPr marL="3199440" indent="0">
-              <a:buNone/>
-              <a:defRPr sz="1000"/>
+            <a:lvl8pPr marL="3200400" indent="0">
+              <a:buNone/>
+              <a:defRPr sz="900"/>
             </a:lvl8pPr>
-            <a:lvl9pPr marL="3656503" indent="0">
-              <a:buNone/>
-              <a:defRPr sz="1000"/>
+            <a:lvl9pPr marL="3657600" indent="0">
+              <a:buNone/>
+              <a:defRPr sz="900"/>
             </a:lvl9pPr>
           </a:lstStyle>
           <a:p>
@@ -4705,9 +5078,9 @@
           <a:bodyPr/>
           <a:lstStyle/>
           <a:p>
-            <a:fld id="{F52A0538-FD6F-44CE-8603-6BC2AA832A22}" type="datetime1">
-              <a:rPr lang="en-US" smtClean="0"/>
-              <a:t>3/30/2024</a:t>
+            <a:fld id="{4FF3C38B-D0D0-4612-8F87-152B4B9D3A7A}" type="datetime1">
+              <a:rPr lang="en-US" smtClean="0"/>
+              <a:t>4/5/2024</a:t>
             </a:fld>
             <a:endParaRPr lang="en-US"/>
           </a:p>
@@ -4730,7 +5103,7 @@
           <a:p>
             <a:r>
               <a:rPr lang="en-US" smtClean="0"/>
-              <a:t>Prepared by Suresh Dahal</a:t>
+              <a:t>Prepared by Aaryan Yadav</a:t>
             </a:r>
             <a:endParaRPr lang="en-US"/>
           </a:p>
@@ -4759,10 +5132,41 @@
           </a:p>
         </p:txBody>
       </p:sp>
+      <p:cxnSp>
+        <p:nvCxnSpPr>
+          <p:cNvPr id="16" name="Straight Connector 15"/>
+          <p:cNvCxnSpPr/>
+          <p:nvPr/>
+        </p:nvCxnSpPr>
+        <p:spPr>
+          <a:xfrm>
+            <a:off x="1396169" y="2912533"/>
+            <a:ext cx="3514498" cy="0"/>
+          </a:xfrm>
+          <a:prstGeom prst="line">
+            <a:avLst/>
+          </a:prstGeom>
+          <a:ln w="15875"/>
+        </p:spPr>
+        <p:style>
+          <a:lnRef idx="2">
+            <a:schemeClr val="accent1"/>
+          </a:lnRef>
+          <a:fillRef idx="0">
+            <a:schemeClr val="accent1"/>
+          </a:fillRef>
+          <a:effectRef idx="1">
+            <a:schemeClr val="accent1"/>
+          </a:effectRef>
+          <a:fontRef idx="minor">
+            <a:schemeClr val="tx1"/>
+          </a:fontRef>
+        </p:style>
+      </p:cxnSp>
     </p:spTree>
     <p:extLst>
       <p:ext uri="{BB962C8B-B14F-4D97-AF65-F5344CB8AC3E}">
-        <p14:creationId xmlns:p14="http://schemas.microsoft.com/office/powerpoint/2010/main" val="1875575403"/>
+        <p14:creationId xmlns:p14="http://schemas.microsoft.com/office/powerpoint/2010/main" val="609571606"/>
       </p:ext>
     </p:extLst>
   </p:cSld>
@@ -4801,8 +5205,8 @@
         </p:nvSpPr>
         <p:spPr>
           <a:xfrm>
-            <a:off x="677334" y="4800600"/>
-            <a:ext cx="8596667" cy="566738"/>
+            <a:off x="1295399" y="1883832"/>
+            <a:ext cx="6241816" cy="1371600"/>
           </a:xfrm>
         </p:spPr>
         <p:txBody>
@@ -4810,8 +5214,8 @@
             <a:normAutofit/>
           </a:bodyPr>
           <a:lstStyle>
-            <a:lvl1pPr algn="l">
-              <a:defRPr sz="2400" b="0"/>
+            <a:lvl1pPr algn="ctr">
+              <a:defRPr sz="2800" b="0"/>
             </a:lvl1pPr>
           </a:lstStyle>
           <a:p>
@@ -4825,7 +5229,7 @@
       </p:sp>
       <p:sp>
         <p:nvSpPr>
-          <p:cNvPr id="3" name="Picture Placeholder 2"/>
+          <p:cNvPr id="17" name="Picture Placeholder 2"/>
           <p:cNvSpPr>
             <a:spLocks noGrp="1" noChangeAspect="1"/>
           </p:cNvSpPr>
@@ -4835,9 +5239,30 @@
         </p:nvSpPr>
         <p:spPr>
           <a:xfrm>
-            <a:off x="677334" y="609600"/>
-            <a:ext cx="8596668" cy="3845718"/>
+            <a:off x="8094831" y="1041400"/>
+            <a:ext cx="3063347" cy="4775200"/>
           </a:xfrm>
+          <a:prstGeom prst="roundRect">
+            <a:avLst>
+              <a:gd name="adj" fmla="val 0"/>
+            </a:avLst>
+          </a:prstGeom>
+          <a:ln w="57150" cmpd="thickThin">
+            <a:solidFill>
+              <a:schemeClr val="tx1">
+                <a:lumMod val="50000"/>
+                <a:lumOff val="50000"/>
+              </a:schemeClr>
+            </a:solidFill>
+            <a:miter lim="800000"/>
+          </a:ln>
+          <a:effectLst>
+            <a:innerShdw blurRad="57150" dist="38100" dir="14460000">
+              <a:srgbClr val="000000">
+                <a:alpha val="70000"/>
+              </a:srgbClr>
+            </a:innerShdw>
+          </a:effectLst>
         </p:spPr>
         <p:txBody>
           <a:bodyPr anchor="t">
@@ -4902,18 +5327,18 @@
         </p:nvSpPr>
         <p:spPr>
           <a:xfrm>
-            <a:off x="677334" y="5367338"/>
-            <a:ext cx="8596667" cy="674024"/>
+            <a:off x="1295399" y="3255432"/>
+            <a:ext cx="6241816" cy="1828800"/>
           </a:xfrm>
         </p:spPr>
         <p:txBody>
-          <a:bodyPr>
+          <a:bodyPr anchor="t">
             <a:normAutofit/>
           </a:bodyPr>
           <a:lstStyle>
-            <a:lvl1pPr marL="0" indent="0">
-              <a:buNone/>
-              <a:defRPr sz="1200"/>
+            <a:lvl1pPr marL="0" indent="0" algn="ctr">
+              <a:buNone/>
+              <a:defRPr sz="1800"/>
             </a:lvl1pPr>
             <a:lvl2pPr marL="457200" indent="0">
               <a:buNone/>
@@ -4972,9 +5397,9 @@
           <a:bodyPr/>
           <a:lstStyle/>
           <a:p>
-            <a:fld id="{667A318B-7B2B-43E3-902D-BEF4DD0D859A}" type="datetime1">
-              <a:rPr lang="en-US" smtClean="0"/>
-              <a:t>3/30/2024</a:t>
+            <a:fld id="{09B3E448-48F3-499C-86B4-0353C98EE972}" type="datetime1">
+              <a:rPr lang="en-US" smtClean="0"/>
+              <a:t>4/5/2024</a:t>
             </a:fld>
             <a:endParaRPr lang="en-US"/>
           </a:p>
@@ -4997,7 +5422,7 @@
           <a:p>
             <a:r>
               <a:rPr lang="en-US" smtClean="0"/>
-              <a:t>Prepared by Suresh Dahal</a:t>
+              <a:t>Prepared by Aaryan Yadav</a:t>
             </a:r>
             <a:endParaRPr lang="en-US"/>
           </a:p>
@@ -5029,7 +5454,7 @@
     </p:spTree>
     <p:extLst>
       <p:ext uri="{BB962C8B-B14F-4D97-AF65-F5344CB8AC3E}">
-        <p14:creationId xmlns:p14="http://schemas.microsoft.com/office/powerpoint/2010/main" val="220535210"/>
+        <p14:creationId xmlns:p14="http://schemas.microsoft.com/office/powerpoint/2010/main" val="3133051340"/>
       </p:ext>
     </p:extLst>
   </p:cSld>
@@ -5043,7 +5468,7 @@
 <p:sldMaster xmlns:a="http://schemas.openxmlformats.org/drawingml/2006/main" xmlns:r="http://schemas.openxmlformats.org/officeDocument/2006/relationships" xmlns:p="http://schemas.openxmlformats.org/presentationml/2006/main">
   <p:cSld>
     <p:bg>
-      <p:bgRef idx="1001">
+      <p:bgRef idx="1003">
         <a:schemeClr val="bg1"/>
       </p:bgRef>
     </p:bg>
@@ -5069,133 +5494,60 @@
         </p:nvGrpSpPr>
         <p:grpSpPr>
           <a:xfrm>
-            <a:off x="0" y="-8467"/>
-            <a:ext cx="12192000" cy="6866467"/>
-            <a:chOff x="0" y="-8467"/>
-            <a:chExt cx="12192000" cy="6866467"/>
+            <a:off x="-15736" y="0"/>
+            <a:ext cx="12229962" cy="6856214"/>
+            <a:chOff x="-15736" y="0"/>
+            <a:chExt cx="12229962" cy="6856214"/>
           </a:xfrm>
         </p:grpSpPr>
-        <p:cxnSp>
-          <p:nvCxnSpPr>
-            <p:cNvPr id="20" name="Straight Connector 19"/>
-            <p:cNvCxnSpPr/>
+        <p:pic>
+          <p:nvPicPr>
+            <p:cNvPr id="8" name="Picture 7" descr="HD-PanelContent.png"/>
+            <p:cNvPicPr>
+              <a:picLocks noChangeAspect="1"/>
+            </p:cNvPicPr>
             <p:nvPr/>
-          </p:nvCxnSpPr>
+          </p:nvPicPr>
+          <p:blipFill>
+            <a:blip r:embed="rId19">
+              <a:extLst>
+                <a:ext uri="{28A0092B-C50C-407E-A947-70E740481C1C}">
+                  <a14:useLocalDpi xmlns:a14="http://schemas.microsoft.com/office/drawing/2010/main" val="0"/>
+                </a:ext>
+              </a:extLst>
+            </a:blip>
+            <a:stretch>
+              <a:fillRect/>
+            </a:stretch>
+          </p:blipFill>
           <p:spPr>
             <a:xfrm>
-              <a:off x="9371012" y="0"/>
-              <a:ext cx="1219200" cy="6858000"/>
+              <a:off x="0" y="0"/>
+              <a:ext cx="12188825" cy="6856214"/>
             </a:xfrm>
-            <a:prstGeom prst="line">
+            <a:prstGeom prst="rect">
               <a:avLst/>
             </a:prstGeom>
-            <a:ln w="9525">
-              <a:solidFill>
-                <a:schemeClr val="bg1">
-                  <a:lumMod val="75000"/>
-                </a:schemeClr>
-              </a:solidFill>
-            </a:ln>
           </p:spPr>
-          <p:style>
-            <a:lnRef idx="2">
-              <a:schemeClr val="accent1"/>
-            </a:lnRef>
-            <a:fillRef idx="0">
-              <a:schemeClr val="accent1"/>
-            </a:fillRef>
-            <a:effectRef idx="1">
-              <a:schemeClr val="accent1"/>
-            </a:effectRef>
-            <a:fontRef idx="minor">
-              <a:schemeClr val="tx1"/>
-            </a:fontRef>
-          </p:style>
-        </p:cxnSp>
-        <p:cxnSp>
-          <p:nvCxnSpPr>
-            <p:cNvPr id="21" name="Straight Connector 20"/>
-            <p:cNvCxnSpPr/>
-            <p:nvPr/>
-          </p:nvCxnSpPr>
-          <p:spPr>
-            <a:xfrm flipH="1">
-              <a:off x="7425267" y="3681413"/>
-              <a:ext cx="4763558" cy="3176587"/>
-            </a:xfrm>
-            <a:prstGeom prst="line">
-              <a:avLst/>
-            </a:prstGeom>
-            <a:ln w="9525">
-              <a:solidFill>
-                <a:schemeClr val="bg1">
-                  <a:lumMod val="85000"/>
-                </a:schemeClr>
-              </a:solidFill>
-            </a:ln>
-          </p:spPr>
-          <p:style>
-            <a:lnRef idx="2">
-              <a:schemeClr val="accent1"/>
-            </a:lnRef>
-            <a:fillRef idx="0">
-              <a:schemeClr val="accent1"/>
-            </a:fillRef>
-            <a:effectRef idx="1">
-              <a:schemeClr val="accent1"/>
-            </a:effectRef>
-            <a:fontRef idx="minor">
-              <a:schemeClr val="tx1"/>
-            </a:fontRef>
-          </p:style>
-        </p:cxnSp>
+        </p:pic>
         <p:sp>
           <p:nvSpPr>
-            <p:cNvPr id="22" name="Rectangle 23"/>
+            <p:cNvPr id="9" name="Rectangle 8"/>
             <p:cNvSpPr/>
             <p:nvPr/>
           </p:nvSpPr>
           <p:spPr>
             <a:xfrm>
-              <a:off x="9181476" y="-8467"/>
-              <a:ext cx="3007349" cy="6866467"/>
+              <a:off x="608012" y="609600"/>
+              <a:ext cx="10972800" cy="5638800"/>
             </a:xfrm>
-            <a:custGeom>
+            <a:prstGeom prst="rect">
               <a:avLst/>
-              <a:gdLst/>
-              <a:ahLst/>
-              <a:cxnLst/>
-              <a:rect l="l" t="t" r="r" b="b"/>
-              <a:pathLst>
-                <a:path w="3007349" h="6866467">
-                  <a:moveTo>
-                    <a:pt x="2045532" y="0"/>
-                  </a:moveTo>
-                  <a:lnTo>
-                    <a:pt x="3007349" y="0"/>
-                  </a:lnTo>
-                  <a:lnTo>
-                    <a:pt x="3007349" y="6866467"/>
-                  </a:lnTo>
-                  <a:lnTo>
-                    <a:pt x="0" y="6866467"/>
-                  </a:lnTo>
-                  <a:lnTo>
-                    <a:pt x="2045532" y="0"/>
-                  </a:lnTo>
-                  <a:close/>
-                </a:path>
-              </a:pathLst>
-            </a:custGeom>
-            <a:solidFill>
-              <a:schemeClr val="accent1">
-                <a:alpha val="30000"/>
-              </a:schemeClr>
-            </a:solidFill>
-            <a:ln>
-              <a:noFill/>
+            </a:prstGeom>
+            <a:noFill/>
+            <a:ln w="15875" cap="flat">
+              <a:miter lim="800000"/>
             </a:ln>
-            <a:effectLst/>
           </p:spPr>
           <p:style>
             <a:lnRef idx="1">
@@ -5212,384 +5564,64 @@
             </a:fontRef>
           </p:style>
         </p:sp>
-        <p:sp>
-          <p:nvSpPr>
-            <p:cNvPr id="23" name="Rectangle 25"/>
-            <p:cNvSpPr/>
+        <p:pic>
+          <p:nvPicPr>
+            <p:cNvPr id="10" name="Picture 9" descr="HDRibbonContent-UniformTrim.png"/>
+            <p:cNvPicPr>
+              <a:picLocks noChangeAspect="1"/>
+            </p:cNvPicPr>
             <p:nvPr/>
-          </p:nvSpPr>
+          </p:nvPicPr>
+          <p:blipFill rotWithShape="1">
+            <a:blip r:embed="rId20">
+              <a:extLst>
+                <a:ext uri="{28A0092B-C50C-407E-A947-70E740481C1C}">
+                  <a14:useLocalDpi xmlns:a14="http://schemas.microsoft.com/office/drawing/2010/main" val="0"/>
+                </a:ext>
+              </a:extLst>
+            </a:blip>
+            <a:srcRect/>
+            <a:stretch/>
+          </p:blipFill>
           <p:spPr>
             <a:xfrm>
-              <a:off x="9603442" y="-8467"/>
-              <a:ext cx="2588558" cy="6866467"/>
+              <a:off x="-15736" y="3153832"/>
+              <a:ext cx="777240" cy="606425"/>
             </a:xfrm>
-            <a:custGeom>
+            <a:prstGeom prst="rect">
               <a:avLst/>
-              <a:gdLst/>
-              <a:ahLst/>
-              <a:cxnLst/>
-              <a:rect l="l" t="t" r="r" b="b"/>
-              <a:pathLst>
-                <a:path w="2573311" h="6866467">
-                  <a:moveTo>
-                    <a:pt x="0" y="0"/>
-                  </a:moveTo>
-                  <a:lnTo>
-                    <a:pt x="2573311" y="0"/>
-                  </a:lnTo>
-                  <a:lnTo>
-                    <a:pt x="2573311" y="6866467"/>
-                  </a:lnTo>
-                  <a:lnTo>
-                    <a:pt x="1202336" y="6866467"/>
-                  </a:lnTo>
-                  <a:lnTo>
-                    <a:pt x="0" y="0"/>
-                  </a:lnTo>
-                  <a:close/>
-                </a:path>
-              </a:pathLst>
-            </a:custGeom>
-            <a:solidFill>
-              <a:schemeClr val="accent1">
-                <a:alpha val="20000"/>
-              </a:schemeClr>
-            </a:solidFill>
-            <a:ln>
-              <a:noFill/>
-            </a:ln>
-            <a:effectLst/>
+            </a:prstGeom>
           </p:spPr>
-          <p:style>
-            <a:lnRef idx="1">
-              <a:schemeClr val="accent1"/>
-            </a:lnRef>
-            <a:fillRef idx="3">
-              <a:schemeClr val="accent1"/>
-            </a:fillRef>
-            <a:effectRef idx="2">
-              <a:schemeClr val="accent1"/>
-            </a:effectRef>
-            <a:fontRef idx="minor">
-              <a:schemeClr val="lt1"/>
-            </a:fontRef>
-          </p:style>
-        </p:sp>
-        <p:sp>
-          <p:nvSpPr>
-            <p:cNvPr id="24" name="Isosceles Triangle 23"/>
-            <p:cNvSpPr/>
+        </p:pic>
+        <p:pic>
+          <p:nvPicPr>
+            <p:cNvPr id="11" name="Picture 10" descr="HDRibbonContent-UniformTrim.png"/>
+            <p:cNvPicPr>
+              <a:picLocks noChangeAspect="1"/>
+            </p:cNvPicPr>
             <p:nvPr/>
-          </p:nvSpPr>
+          </p:nvPicPr>
+          <p:blipFill rotWithShape="1">
+            <a:blip r:embed="rId20">
+              <a:extLst>
+                <a:ext uri="{28A0092B-C50C-407E-A947-70E740481C1C}">
+                  <a14:useLocalDpi xmlns:a14="http://schemas.microsoft.com/office/drawing/2010/main" val="0"/>
+                </a:ext>
+              </a:extLst>
+            </a:blip>
+            <a:srcRect/>
+            <a:stretch/>
+          </p:blipFill>
           <p:spPr>
             <a:xfrm>
-              <a:off x="8932333" y="3048000"/>
-              <a:ext cx="3259667" cy="3810000"/>
+              <a:off x="11436986" y="3153832"/>
+              <a:ext cx="777240" cy="606425"/>
             </a:xfrm>
-            <a:prstGeom prst="triangle">
-              <a:avLst>
-                <a:gd name="adj" fmla="val 100000"/>
-              </a:avLst>
+            <a:prstGeom prst="rect">
+              <a:avLst/>
             </a:prstGeom>
-            <a:solidFill>
-              <a:schemeClr val="accent2">
-                <a:alpha val="72000"/>
-              </a:schemeClr>
-            </a:solidFill>
-            <a:ln>
-              <a:noFill/>
-            </a:ln>
-            <a:effectLst/>
           </p:spPr>
-          <p:style>
-            <a:lnRef idx="1">
-              <a:schemeClr val="accent1"/>
-            </a:lnRef>
-            <a:fillRef idx="3">
-              <a:schemeClr val="accent1"/>
-            </a:fillRef>
-            <a:effectRef idx="2">
-              <a:schemeClr val="accent1"/>
-            </a:effectRef>
-            <a:fontRef idx="minor">
-              <a:schemeClr val="lt1"/>
-            </a:fontRef>
-          </p:style>
-        </p:sp>
-        <p:sp>
-          <p:nvSpPr>
-            <p:cNvPr id="25" name="Rectangle 27"/>
-            <p:cNvSpPr/>
-            <p:nvPr/>
-          </p:nvSpPr>
-          <p:spPr>
-            <a:xfrm>
-              <a:off x="9334500" y="-8467"/>
-              <a:ext cx="2854326" cy="6866467"/>
-            </a:xfrm>
-            <a:custGeom>
-              <a:avLst/>
-              <a:gdLst/>
-              <a:ahLst/>
-              <a:cxnLst/>
-              <a:rect l="l" t="t" r="r" b="b"/>
-              <a:pathLst>
-                <a:path w="2858013" h="6866467">
-                  <a:moveTo>
-                    <a:pt x="0" y="0"/>
-                  </a:moveTo>
-                  <a:lnTo>
-                    <a:pt x="2858013" y="0"/>
-                  </a:lnTo>
-                  <a:lnTo>
-                    <a:pt x="2858013" y="6866467"/>
-                  </a:lnTo>
-                  <a:lnTo>
-                    <a:pt x="2473942" y="6866467"/>
-                  </a:lnTo>
-                  <a:lnTo>
-                    <a:pt x="0" y="0"/>
-                  </a:lnTo>
-                  <a:close/>
-                </a:path>
-              </a:pathLst>
-            </a:custGeom>
-            <a:solidFill>
-              <a:schemeClr val="accent2">
-                <a:lumMod val="75000"/>
-                <a:alpha val="70000"/>
-              </a:schemeClr>
-            </a:solidFill>
-            <a:ln>
-              <a:noFill/>
-            </a:ln>
-            <a:effectLst/>
-          </p:spPr>
-          <p:style>
-            <a:lnRef idx="1">
-              <a:schemeClr val="accent1"/>
-            </a:lnRef>
-            <a:fillRef idx="3">
-              <a:schemeClr val="accent1"/>
-            </a:fillRef>
-            <a:effectRef idx="2">
-              <a:schemeClr val="accent1"/>
-            </a:effectRef>
-            <a:fontRef idx="minor">
-              <a:schemeClr val="lt1"/>
-            </a:fontRef>
-          </p:style>
-        </p:sp>
-        <p:sp>
-          <p:nvSpPr>
-            <p:cNvPr id="26" name="Rectangle 28"/>
-            <p:cNvSpPr/>
-            <p:nvPr/>
-          </p:nvSpPr>
-          <p:spPr>
-            <a:xfrm>
-              <a:off x="10898730" y="-8467"/>
-              <a:ext cx="1290094" cy="6866467"/>
-            </a:xfrm>
-            <a:custGeom>
-              <a:avLst/>
-              <a:gdLst/>
-              <a:ahLst/>
-              <a:cxnLst/>
-              <a:rect l="l" t="t" r="r" b="b"/>
-              <a:pathLst>
-                <a:path w="1290094" h="6858000">
-                  <a:moveTo>
-                    <a:pt x="1019735" y="0"/>
-                  </a:moveTo>
-                  <a:lnTo>
-                    <a:pt x="1290094" y="0"/>
-                  </a:lnTo>
-                  <a:lnTo>
-                    <a:pt x="1290094" y="6858000"/>
-                  </a:lnTo>
-                  <a:lnTo>
-                    <a:pt x="0" y="6858000"/>
-                  </a:lnTo>
-                  <a:lnTo>
-                    <a:pt x="1019735" y="0"/>
-                  </a:lnTo>
-                  <a:close/>
-                </a:path>
-              </a:pathLst>
-            </a:custGeom>
-            <a:solidFill>
-              <a:schemeClr val="accent1">
-                <a:lumMod val="60000"/>
-                <a:lumOff val="40000"/>
-                <a:alpha val="70000"/>
-              </a:schemeClr>
-            </a:solidFill>
-            <a:ln>
-              <a:noFill/>
-            </a:ln>
-            <a:effectLst/>
-          </p:spPr>
-          <p:style>
-            <a:lnRef idx="1">
-              <a:schemeClr val="accent1"/>
-            </a:lnRef>
-            <a:fillRef idx="3">
-              <a:schemeClr val="accent1"/>
-            </a:fillRef>
-            <a:effectRef idx="2">
-              <a:schemeClr val="accent1"/>
-            </a:effectRef>
-            <a:fontRef idx="minor">
-              <a:schemeClr val="lt1"/>
-            </a:fontRef>
-          </p:style>
-        </p:sp>
-        <p:sp>
-          <p:nvSpPr>
-            <p:cNvPr id="27" name="Rectangle 29"/>
-            <p:cNvSpPr/>
-            <p:nvPr/>
-          </p:nvSpPr>
-          <p:spPr>
-            <a:xfrm>
-              <a:off x="10938999" y="-8467"/>
-              <a:ext cx="1249825" cy="6866467"/>
-            </a:xfrm>
-            <a:custGeom>
-              <a:avLst/>
-              <a:gdLst/>
-              <a:ahLst/>
-              <a:cxnLst/>
-              <a:rect l="l" t="t" r="r" b="b"/>
-              <a:pathLst>
-                <a:path w="1249825" h="6858000">
-                  <a:moveTo>
-                    <a:pt x="0" y="0"/>
-                  </a:moveTo>
-                  <a:lnTo>
-                    <a:pt x="1249825" y="0"/>
-                  </a:lnTo>
-                  <a:lnTo>
-                    <a:pt x="1249825" y="6858000"/>
-                  </a:lnTo>
-                  <a:lnTo>
-                    <a:pt x="1109382" y="6858000"/>
-                  </a:lnTo>
-                  <a:lnTo>
-                    <a:pt x="0" y="0"/>
-                  </a:lnTo>
-                  <a:close/>
-                </a:path>
-              </a:pathLst>
-            </a:custGeom>
-            <a:solidFill>
-              <a:schemeClr val="accent1">
-                <a:alpha val="65000"/>
-              </a:schemeClr>
-            </a:solidFill>
-            <a:ln>
-              <a:noFill/>
-            </a:ln>
-            <a:effectLst/>
-          </p:spPr>
-          <p:style>
-            <a:lnRef idx="1">
-              <a:schemeClr val="accent1"/>
-            </a:lnRef>
-            <a:fillRef idx="3">
-              <a:schemeClr val="accent1"/>
-            </a:fillRef>
-            <a:effectRef idx="2">
-              <a:schemeClr val="accent1"/>
-            </a:effectRef>
-            <a:fontRef idx="minor">
-              <a:schemeClr val="lt1"/>
-            </a:fontRef>
-          </p:style>
-        </p:sp>
-        <p:sp>
-          <p:nvSpPr>
-            <p:cNvPr id="28" name="Isosceles Triangle 27"/>
-            <p:cNvSpPr/>
-            <p:nvPr/>
-          </p:nvSpPr>
-          <p:spPr>
-            <a:xfrm>
-              <a:off x="10371666" y="3589867"/>
-              <a:ext cx="1817159" cy="3268133"/>
-            </a:xfrm>
-            <a:prstGeom prst="triangle">
-              <a:avLst>
-                <a:gd name="adj" fmla="val 100000"/>
-              </a:avLst>
-            </a:prstGeom>
-            <a:solidFill>
-              <a:schemeClr val="accent1">
-                <a:alpha val="80000"/>
-              </a:schemeClr>
-            </a:solidFill>
-            <a:ln>
-              <a:noFill/>
-            </a:ln>
-            <a:effectLst/>
-          </p:spPr>
-          <p:style>
-            <a:lnRef idx="1">
-              <a:schemeClr val="accent1"/>
-            </a:lnRef>
-            <a:fillRef idx="3">
-              <a:schemeClr val="accent1"/>
-            </a:fillRef>
-            <a:effectRef idx="2">
-              <a:schemeClr val="accent1"/>
-            </a:effectRef>
-            <a:fontRef idx="minor">
-              <a:schemeClr val="lt1"/>
-            </a:fontRef>
-          </p:style>
-        </p:sp>
-        <p:sp>
-          <p:nvSpPr>
-            <p:cNvPr id="29" name="Isosceles Triangle 28"/>
-            <p:cNvSpPr/>
-            <p:nvPr/>
-          </p:nvSpPr>
-          <p:spPr>
-            <a:xfrm>
-              <a:off x="0" y="4013200"/>
-              <a:ext cx="448733" cy="2844800"/>
-            </a:xfrm>
-            <a:prstGeom prst="triangle">
-              <a:avLst>
-                <a:gd name="adj" fmla="val 0"/>
-              </a:avLst>
-            </a:prstGeom>
-            <a:solidFill>
-              <a:schemeClr val="accent1">
-                <a:alpha val="85000"/>
-              </a:schemeClr>
-            </a:solidFill>
-            <a:ln>
-              <a:noFill/>
-            </a:ln>
-            <a:effectLst/>
-          </p:spPr>
-          <p:style>
-            <a:lnRef idx="1">
-              <a:schemeClr val="accent1"/>
-            </a:lnRef>
-            <a:fillRef idx="3">
-              <a:schemeClr val="accent1"/>
-            </a:fillRef>
-            <a:effectRef idx="2">
-              <a:schemeClr val="accent1"/>
-            </a:effectRef>
-            <a:fontRef idx="minor">
-              <a:schemeClr val="lt1"/>
-            </a:fontRef>
-          </p:style>
-        </p:sp>
+        </p:pic>
       </p:grpSp>
       <p:sp>
         <p:nvSpPr>
@@ -5603,8 +5635,42 @@
         </p:nvSpPr>
         <p:spPr>
           <a:xfrm>
-            <a:off x="677334" y="609600"/>
-            <a:ext cx="8596668" cy="1320800"/>
+            <a:off x="1295402" y="982132"/>
+            <a:ext cx="9601196" cy="1303867"/>
+          </a:xfrm>
+          <a:prstGeom prst="rect">
+            <a:avLst/>
+          </a:prstGeom>
+          <a:effectLst/>
+        </p:spPr>
+        <p:txBody>
+          <a:bodyPr vert="horz" lIns="91440" tIns="45720" rIns="91440" bIns="45720" rtlCol="0" anchor="ctr">
+            <a:normAutofit/>
+          </a:bodyPr>
+          <a:lstStyle/>
+          <a:p>
+            <a:r>
+              <a:rPr lang="en-US" smtClean="0"/>
+              <a:t>Click to edit Master title style</a:t>
+            </a:r>
+            <a:endParaRPr lang="en-US" dirty="0"/>
+          </a:p>
+        </p:txBody>
+      </p:sp>
+      <p:sp>
+        <p:nvSpPr>
+          <p:cNvPr id="3" name="Text Placeholder 2"/>
+          <p:cNvSpPr>
+            <a:spLocks noGrp="1"/>
+          </p:cNvSpPr>
+          <p:nvPr>
+            <p:ph type="body" idx="1"/>
+          </p:nvPr>
+        </p:nvSpPr>
+        <p:spPr>
+          <a:xfrm>
+            <a:off x="1295401" y="2556932"/>
+            <a:ext cx="9601196" cy="3318936"/>
           </a:xfrm>
           <a:prstGeom prst="rect">
             <a:avLst/>
@@ -5616,9 +5682,38 @@
           </a:bodyPr>
           <a:lstStyle/>
           <a:p>
-            <a:r>
-              <a:rPr lang="en-US" smtClean="0"/>
-              <a:t>Click to edit Master title style</a:t>
+            <a:pPr lvl="0"/>
+            <a:r>
+              <a:rPr lang="en-US" smtClean="0"/>
+              <a:t>Edit Master text styles</a:t>
+            </a:r>
+          </a:p>
+          <a:p>
+            <a:pPr lvl="1"/>
+            <a:r>
+              <a:rPr lang="en-US" smtClean="0"/>
+              <a:t>Second level</a:t>
+            </a:r>
+          </a:p>
+          <a:p>
+            <a:pPr lvl="2"/>
+            <a:r>
+              <a:rPr lang="en-US" smtClean="0"/>
+              <a:t>Third level</a:t>
+            </a:r>
+          </a:p>
+          <a:p>
+            <a:pPr lvl="3"/>
+            <a:r>
+              <a:rPr lang="en-US" smtClean="0"/>
+              <a:t>Fourth level</a:t>
+            </a:r>
+          </a:p>
+          <a:p>
+            <a:pPr lvl="4"/>
+            <a:r>
+              <a:rPr lang="en-US" smtClean="0"/>
+              <a:t>Fifth level</a:t>
             </a:r>
             <a:endParaRPr lang="en-US" dirty="0"/>
           </a:p>
@@ -5626,80 +5721,59 @@
       </p:sp>
       <p:sp>
         <p:nvSpPr>
-          <p:cNvPr id="3" name="Text Placeholder 2"/>
-          <p:cNvSpPr>
-            <a:spLocks noGrp="1"/>
-          </p:cNvSpPr>
-          <p:nvPr>
-            <p:ph type="body" idx="1"/>
+          <p:cNvPr id="4" name="Date Placeholder 3"/>
+          <p:cNvSpPr>
+            <a:spLocks noGrp="1"/>
+          </p:cNvSpPr>
+          <p:nvPr>
+            <p:ph type="dt" sz="half" idx="2"/>
           </p:nvPr>
         </p:nvSpPr>
         <p:spPr>
           <a:xfrm>
-            <a:off x="677334" y="2160589"/>
-            <a:ext cx="8596668" cy="3880773"/>
+            <a:off x="8677501" y="5969000"/>
+            <a:ext cx="1600200" cy="279400"/>
           </a:xfrm>
           <a:prstGeom prst="rect">
             <a:avLst/>
           </a:prstGeom>
         </p:spPr>
         <p:txBody>
-          <a:bodyPr vert="horz" lIns="91440" tIns="45720" rIns="91440" bIns="45720" rtlCol="0">
-            <a:normAutofit/>
-          </a:bodyPr>
-          <a:lstStyle/>
-          <a:p>
-            <a:pPr lvl="0"/>
-            <a:r>
-              <a:rPr lang="en-US" smtClean="0"/>
-              <a:t>Edit Master text styles</a:t>
-            </a:r>
-          </a:p>
-          <a:p>
-            <a:pPr lvl="1"/>
-            <a:r>
-              <a:rPr lang="en-US" smtClean="0"/>
-              <a:t>Second level</a:t>
-            </a:r>
-          </a:p>
-          <a:p>
-            <a:pPr lvl="2"/>
-            <a:r>
-              <a:rPr lang="en-US" smtClean="0"/>
-              <a:t>Third level</a:t>
-            </a:r>
-          </a:p>
-          <a:p>
-            <a:pPr lvl="3"/>
-            <a:r>
-              <a:rPr lang="en-US" smtClean="0"/>
-              <a:t>Fourth level</a:t>
-            </a:r>
-          </a:p>
-          <a:p>
-            <a:pPr lvl="4"/>
-            <a:r>
-              <a:rPr lang="en-US" smtClean="0"/>
-              <a:t>Fifth level</a:t>
-            </a:r>
-            <a:endParaRPr lang="en-US" dirty="0"/>
-          </a:p>
-        </p:txBody>
-      </p:sp>
-      <p:sp>
-        <p:nvSpPr>
-          <p:cNvPr id="4" name="Date Placeholder 3"/>
-          <p:cNvSpPr>
-            <a:spLocks noGrp="1"/>
-          </p:cNvSpPr>
-          <p:nvPr>
-            <p:ph type="dt" sz="half" idx="2"/>
+          <a:bodyPr vert="horz" lIns="91440" tIns="45720" rIns="91440" bIns="45720" rtlCol="0" anchor="ctr"/>
+          <a:lstStyle>
+            <a:lvl1pPr algn="r">
+              <a:defRPr sz="1000" b="0" i="0">
+                <a:solidFill>
+                  <a:schemeClr val="tx1"/>
+                </a:solidFill>
+                <a:effectLst/>
+                <a:latin typeface="+mn-lt"/>
+              </a:defRPr>
+            </a:lvl1pPr>
+          </a:lstStyle>
+          <a:p>
+            <a:fld id="{22EBD251-4AAA-4520-998C-47CFEF217AC5}" type="datetime1">
+              <a:rPr lang="en-US" smtClean="0"/>
+              <a:t>4/5/2024</a:t>
+            </a:fld>
+            <a:endParaRPr lang="en-US"/>
+          </a:p>
+        </p:txBody>
+      </p:sp>
+      <p:sp>
+        <p:nvSpPr>
+          <p:cNvPr id="5" name="Footer Placeholder 4"/>
+          <p:cNvSpPr>
+            <a:spLocks noGrp="1"/>
+          </p:cNvSpPr>
+          <p:nvPr>
+            <p:ph type="ftr" sz="quarter" idx="3"/>
           </p:nvPr>
         </p:nvSpPr>
         <p:spPr>
           <a:xfrm>
-            <a:off x="7205133" y="6041362"/>
-            <a:ext cx="911939" cy="365125"/>
+            <a:off x="1295401" y="5969000"/>
+            <a:ext cx="7305900" cy="279400"/>
           </a:xfrm>
           <a:prstGeom prst="rect">
             <a:avLst/>
@@ -5708,39 +5782,39 @@
         <p:txBody>
           <a:bodyPr vert="horz" lIns="91440" tIns="45720" rIns="91440" bIns="45720" rtlCol="0" anchor="ctr"/>
           <a:lstStyle>
-            <a:lvl1pPr algn="r">
-              <a:defRPr sz="900">
-                <a:solidFill>
-                  <a:schemeClr val="tx1">
-                    <a:tint val="75000"/>
-                  </a:schemeClr>
-                </a:solidFill>
+            <a:lvl1pPr algn="l">
+              <a:defRPr sz="1000" b="0" i="0">
+                <a:solidFill>
+                  <a:schemeClr val="tx1"/>
+                </a:solidFill>
+                <a:effectLst/>
+                <a:latin typeface="+mn-lt"/>
               </a:defRPr>
             </a:lvl1pPr>
           </a:lstStyle>
           <a:p>
-            <a:fld id="{4DCD4EEE-529B-4245-B414-D34BFAFF484E}" type="datetime1">
-              <a:rPr lang="en-US" smtClean="0"/>
-              <a:t>3/30/2024</a:t>
-            </a:fld>
+            <a:r>
+              <a:rPr lang="en-US" smtClean="0"/>
+              <a:t>Prepared by Aaryan Yadav</a:t>
+            </a:r>
             <a:endParaRPr lang="en-US"/>
           </a:p>
         </p:txBody>
       </p:sp>
       <p:sp>
         <p:nvSpPr>
-          <p:cNvPr id="5" name="Footer Placeholder 4"/>
-          <p:cNvSpPr>
-            <a:spLocks noGrp="1"/>
-          </p:cNvSpPr>
-          <p:nvPr>
-            <p:ph type="ftr" sz="quarter" idx="3"/>
+          <p:cNvPr id="6" name="Slide Number Placeholder 5"/>
+          <p:cNvSpPr>
+            <a:spLocks noGrp="1"/>
+          </p:cNvSpPr>
+          <p:nvPr>
+            <p:ph type="sldNum" sz="quarter" idx="4"/>
           </p:nvPr>
         </p:nvSpPr>
         <p:spPr>
           <a:xfrm>
-            <a:off x="677334" y="6041362"/>
-            <a:ext cx="6297612" cy="365125"/>
+            <a:off x="10353901" y="5969000"/>
+            <a:ext cx="542697" cy="279400"/>
           </a:xfrm>
           <a:prstGeom prst="rect">
             <a:avLst/>
@@ -5749,52 +5823,13 @@
         <p:txBody>
           <a:bodyPr vert="horz" lIns="91440" tIns="45720" rIns="91440" bIns="45720" rtlCol="0" anchor="ctr"/>
           <a:lstStyle>
-            <a:lvl1pPr algn="l">
-              <a:defRPr sz="900">
-                <a:solidFill>
-                  <a:schemeClr val="tx1">
-                    <a:tint val="75000"/>
-                  </a:schemeClr>
-                </a:solidFill>
-              </a:defRPr>
-            </a:lvl1pPr>
-          </a:lstStyle>
-          <a:p>
-            <a:r>
-              <a:rPr lang="en-US" smtClean="0"/>
-              <a:t>Prepared by Suresh Dahal</a:t>
-            </a:r>
-            <a:endParaRPr lang="en-US"/>
-          </a:p>
-        </p:txBody>
-      </p:sp>
-      <p:sp>
-        <p:nvSpPr>
-          <p:cNvPr id="6" name="Slide Number Placeholder 5"/>
-          <p:cNvSpPr>
-            <a:spLocks noGrp="1"/>
-          </p:cNvSpPr>
-          <p:nvPr>
-            <p:ph type="sldNum" sz="quarter" idx="4"/>
-          </p:nvPr>
-        </p:nvSpPr>
-        <p:spPr>
-          <a:xfrm>
-            <a:off x="8590663" y="6041362"/>
-            <a:ext cx="683339" cy="365125"/>
-          </a:xfrm>
-          <a:prstGeom prst="rect">
-            <a:avLst/>
-          </a:prstGeom>
-        </p:spPr>
-        <p:txBody>
-          <a:bodyPr vert="horz" lIns="91440" tIns="45720" rIns="91440" bIns="45720" rtlCol="0" anchor="ctr"/>
-          <a:lstStyle>
             <a:lvl1pPr algn="r">
-              <a:defRPr sz="900">
-                <a:solidFill>
-                  <a:schemeClr val="accent1"/>
-                </a:solidFill>
+              <a:defRPr sz="1000" b="0" i="0">
+                <a:solidFill>
+                  <a:schemeClr val="tx1"/>
+                </a:solidFill>
+                <a:effectLst/>
+                <a:latin typeface="+mn-lt"/>
               </a:defRPr>
             </a:lvl1pPr>
           </a:lstStyle>
@@ -5810,41 +5845,49 @@
     </p:spTree>
     <p:extLst>
       <p:ext uri="{BB962C8B-B14F-4D97-AF65-F5344CB8AC3E}">
-        <p14:creationId xmlns:p14="http://schemas.microsoft.com/office/powerpoint/2010/main" val="775554994"/>
+        <p14:creationId xmlns:p14="http://schemas.microsoft.com/office/powerpoint/2010/main" val="2976066421"/>
       </p:ext>
     </p:extLst>
   </p:cSld>
   <p:clrMap bg1="lt1" tx1="dk1" bg2="lt2" tx2="dk2" accent1="accent1" accent2="accent2" accent3="accent3" accent4="accent4" accent5="accent5" accent6="accent6" hlink="hlink" folHlink="folHlink"/>
   <p:sldLayoutIdLst>
-    <p:sldLayoutId id="2147483661" r:id="rId1"/>
-    <p:sldLayoutId id="2147483662" r:id="rId2"/>
-    <p:sldLayoutId id="2147483663" r:id="rId3"/>
-    <p:sldLayoutId id="2147483664" r:id="rId4"/>
-    <p:sldLayoutId id="2147483665" r:id="rId5"/>
-    <p:sldLayoutId id="2147483666" r:id="rId6"/>
-    <p:sldLayoutId id="2147483667" r:id="rId7"/>
-    <p:sldLayoutId id="2147483668" r:id="rId8"/>
-    <p:sldLayoutId id="2147483669" r:id="rId9"/>
-    <p:sldLayoutId id="2147483670" r:id="rId10"/>
-    <p:sldLayoutId id="2147483671" r:id="rId11"/>
-    <p:sldLayoutId id="2147483672" r:id="rId12"/>
-    <p:sldLayoutId id="2147483673" r:id="rId13"/>
-    <p:sldLayoutId id="2147483674" r:id="rId14"/>
-    <p:sldLayoutId id="2147483675" r:id="rId15"/>
-    <p:sldLayoutId id="2147483676" r:id="rId16"/>
+    <p:sldLayoutId id="2147483690" r:id="rId1"/>
+    <p:sldLayoutId id="2147483691" r:id="rId2"/>
+    <p:sldLayoutId id="2147483692" r:id="rId3"/>
+    <p:sldLayoutId id="2147483693" r:id="rId4"/>
+    <p:sldLayoutId id="2147483694" r:id="rId5"/>
+    <p:sldLayoutId id="2147483695" r:id="rId6"/>
+    <p:sldLayoutId id="2147483696" r:id="rId7"/>
+    <p:sldLayoutId id="2147483697" r:id="rId8"/>
+    <p:sldLayoutId id="2147483698" r:id="rId9"/>
+    <p:sldLayoutId id="2147483699" r:id="rId10"/>
+    <p:sldLayoutId id="2147483700" r:id="rId11"/>
+    <p:sldLayoutId id="2147483701" r:id="rId12"/>
+    <p:sldLayoutId id="2147483702" r:id="rId13"/>
+    <p:sldLayoutId id="2147483703" r:id="rId14"/>
+    <p:sldLayoutId id="2147483704" r:id="rId15"/>
+    <p:sldLayoutId id="2147483705" r:id="rId16"/>
+    <p:sldLayoutId id="2147483706" r:id="rId17"/>
   </p:sldLayoutIdLst>
   <p:hf hdr="0" dt="0"/>
   <p:txStyles>
     <p:titleStyle>
-      <a:lvl1pPr algn="l" defTabSz="457200" rtl="0" eaLnBrk="1" latinLnBrk="0" hangingPunct="1">
+      <a:lvl1pPr algn="ctr" defTabSz="457200" rtl="0" eaLnBrk="1" latinLnBrk="0" hangingPunct="1">
         <a:spcBef>
           <a:spcPct val="0"/>
         </a:spcBef>
         <a:buNone/>
-        <a:defRPr sz="3600" kern="1200">
+        <a:defRPr sz="4400" kern="1200" cap="none">
+          <a:ln w="3175" cmpd="sng">
+            <a:noFill/>
+          </a:ln>
           <a:solidFill>
-            <a:schemeClr val="accent1"/>
+            <a:schemeClr val="tx1">
+              <a:lumMod val="85000"/>
+              <a:lumOff val="15000"/>
+            </a:schemeClr>
           </a:solidFill>
+          <a:effectLst/>
           <a:latin typeface="+mj-lt"/>
           <a:ea typeface="+mj-ea"/>
           <a:cs typeface="+mj-cs"/>
@@ -5908,26 +5951,27 @@
       </a:lvl9pPr>
     </p:titleStyle>
     <p:bodyStyle>
-      <a:lvl1pPr marL="342900" indent="-342900" algn="l" defTabSz="457200" rtl="0" eaLnBrk="1" latinLnBrk="0" hangingPunct="1">
+      <a:lvl1pPr marL="285750" indent="-285750" algn="l" defTabSz="457200" rtl="0" eaLnBrk="1" latinLnBrk="0" hangingPunct="1">
         <a:spcBef>
-          <a:spcPts val="1000"/>
+          <a:spcPct val="20000"/>
         </a:spcBef>
         <a:spcAft>
-          <a:spcPts val="0"/>
+          <a:spcPts val="600"/>
         </a:spcAft>
         <a:buClr>
           <a:schemeClr val="accent1"/>
         </a:buClr>
-        <a:buSzPct val="80000"/>
-        <a:buFont typeface="Wingdings 3" charset="2"/>
-        <a:buChar char=""/>
-        <a:defRPr sz="1800" kern="1200">
+        <a:buSzPct val="115000"/>
+        <a:buFont typeface="Arial"/>
+        <a:buChar char="•"/>
+        <a:defRPr sz="2400" kern="1200" cap="none">
           <a:solidFill>
             <a:schemeClr val="tx1">
-              <a:lumMod val="75000"/>
-              <a:lumOff val="25000"/>
+              <a:lumMod val="85000"/>
+              <a:lumOff val="15000"/>
             </a:schemeClr>
           </a:solidFill>
+          <a:effectLst/>
           <a:latin typeface="+mn-lt"/>
           <a:ea typeface="+mn-ea"/>
           <a:cs typeface="+mn-cs"/>
@@ -5935,99 +5979,103 @@
       </a:lvl1pPr>
       <a:lvl2pPr marL="742950" indent="-285750" algn="l" defTabSz="457200" rtl="0" eaLnBrk="1" latinLnBrk="0" hangingPunct="1">
         <a:spcBef>
-          <a:spcPts val="1000"/>
+          <a:spcPct val="20000"/>
         </a:spcBef>
         <a:spcAft>
-          <a:spcPts val="0"/>
+          <a:spcPts val="600"/>
         </a:spcAft>
         <a:buClr>
           <a:schemeClr val="accent1"/>
         </a:buClr>
-        <a:buSzPct val="80000"/>
-        <a:buFont typeface="Wingdings 3" charset="2"/>
-        <a:buChar char=""/>
-        <a:defRPr sz="1600" kern="1200">
+        <a:buSzPct val="115000"/>
+        <a:buFont typeface="Arial"/>
+        <a:buChar char="•"/>
+        <a:defRPr sz="2000" kern="1200" cap="none">
           <a:solidFill>
             <a:schemeClr val="tx1">
-              <a:lumMod val="75000"/>
-              <a:lumOff val="25000"/>
+              <a:lumMod val="85000"/>
+              <a:lumOff val="15000"/>
             </a:schemeClr>
           </a:solidFill>
+          <a:effectLst/>
           <a:latin typeface="+mn-lt"/>
           <a:ea typeface="+mn-ea"/>
           <a:cs typeface="+mn-cs"/>
         </a:defRPr>
       </a:lvl2pPr>
-      <a:lvl3pPr marL="1143000" indent="-228600" algn="l" defTabSz="457200" rtl="0" eaLnBrk="1" latinLnBrk="0" hangingPunct="1">
+      <a:lvl3pPr marL="1200150" indent="-285750" algn="l" defTabSz="457200" rtl="0" eaLnBrk="1" latinLnBrk="0" hangingPunct="1">
         <a:spcBef>
-          <a:spcPts val="1000"/>
+          <a:spcPct val="20000"/>
         </a:spcBef>
         <a:spcAft>
-          <a:spcPts val="0"/>
+          <a:spcPts val="600"/>
         </a:spcAft>
         <a:buClr>
           <a:schemeClr val="accent1"/>
         </a:buClr>
-        <a:buSzPct val="80000"/>
-        <a:buFont typeface="Wingdings 3" charset="2"/>
-        <a:buChar char=""/>
-        <a:defRPr sz="1400" kern="1200">
+        <a:buSzPct val="115000"/>
+        <a:buFont typeface="Arial"/>
+        <a:buChar char="•"/>
+        <a:defRPr sz="1800" kern="1200" cap="none">
           <a:solidFill>
             <a:schemeClr val="tx1">
-              <a:lumMod val="75000"/>
-              <a:lumOff val="25000"/>
+              <a:lumMod val="85000"/>
+              <a:lumOff val="15000"/>
             </a:schemeClr>
           </a:solidFill>
+          <a:effectLst/>
           <a:latin typeface="+mn-lt"/>
           <a:ea typeface="+mn-ea"/>
           <a:cs typeface="+mn-cs"/>
         </a:defRPr>
       </a:lvl3pPr>
-      <a:lvl4pPr marL="1600200" indent="-228600" algn="l" defTabSz="457200" rtl="0" eaLnBrk="1" latinLnBrk="0" hangingPunct="1">
+      <a:lvl4pPr marL="1543050" indent="-171450" algn="l" defTabSz="457200" rtl="0" eaLnBrk="1" latinLnBrk="0" hangingPunct="1">
         <a:spcBef>
-          <a:spcPts val="1000"/>
+          <a:spcPct val="20000"/>
         </a:spcBef>
         <a:spcAft>
-          <a:spcPts val="0"/>
+          <a:spcPts val="600"/>
         </a:spcAft>
         <a:buClr>
           <a:schemeClr val="accent1"/>
         </a:buClr>
-        <a:buSzPct val="80000"/>
-        <a:buFont typeface="Wingdings 3" charset="2"/>
-        <a:buChar char=""/>
-        <a:defRPr sz="1200" kern="1200">
+        <a:buSzPct val="115000"/>
+        <a:buFont typeface="Arial"/>
+        <a:buChar char="•"/>
+        <a:defRPr sz="1600" kern="1200" cap="none">
           <a:solidFill>
             <a:schemeClr val="tx1">
-              <a:lumMod val="75000"/>
-              <a:lumOff val="25000"/>
+              <a:lumMod val="85000"/>
+              <a:lumOff val="15000"/>
             </a:schemeClr>
           </a:solidFill>
+          <a:effectLst/>
           <a:latin typeface="+mn-lt"/>
           <a:ea typeface="+mn-ea"/>
           <a:cs typeface="+mn-cs"/>
         </a:defRPr>
       </a:lvl4pPr>
-      <a:lvl5pPr marL="2057400" indent="-228600" algn="l" defTabSz="457200" rtl="0" eaLnBrk="1" latinLnBrk="0" hangingPunct="1">
+      <a:lvl5pPr marL="2000250" indent="-171450" algn="l" defTabSz="457200" rtl="0" eaLnBrk="1" latinLnBrk="0" hangingPunct="1">
         <a:spcBef>
-          <a:spcPts val="1000"/>
+          <a:spcPct val="20000"/>
         </a:spcBef>
         <a:spcAft>
-          <a:spcPts val="0"/>
+          <a:spcPts val="600"/>
         </a:spcAft>
         <a:buClr>
           <a:schemeClr val="accent1"/>
         </a:buClr>
-        <a:buSzPct val="80000"/>
-        <a:buFont typeface="Wingdings 3" charset="2"/>
-        <a:buChar char=""/>
-        <a:defRPr sz="1200" kern="1200">
+        <a:buSzPct val="115000"/>
+        <a:buFont typeface="Arial"/>
+        <a:buChar char="•"/>
+        <a:defRPr sz="1400" kern="1200" cap="none">
           <a:solidFill>
             <a:schemeClr val="tx1">
-              <a:lumMod val="75000"/>
-              <a:lumOff val="25000"/>
+              <a:lumMod val="85000"/>
+              <a:lumOff val="15000"/>
             </a:schemeClr>
           </a:solidFill>
+          <a:effectLst/>
           <a:latin typeface="+mn-lt"/>
           <a:ea typeface="+mn-ea"/>
           <a:cs typeface="+mn-cs"/>
@@ -6035,24 +6083,25 @@
       </a:lvl5pPr>
       <a:lvl6pPr marL="2514600" indent="-228600" algn="l" defTabSz="457200" rtl="0" eaLnBrk="1" latinLnBrk="0" hangingPunct="1">
         <a:spcBef>
-          <a:spcPts val="1000"/>
+          <a:spcPct val="20000"/>
         </a:spcBef>
         <a:spcAft>
-          <a:spcPts val="0"/>
+          <a:spcPts val="600"/>
         </a:spcAft>
         <a:buClr>
           <a:schemeClr val="accent1"/>
         </a:buClr>
-        <a:buSzPct val="80000"/>
-        <a:buFont typeface="Wingdings 3" charset="2"/>
-        <a:buChar char=""/>
-        <a:defRPr sz="1200" kern="1200">
+        <a:buSzPct val="115000"/>
+        <a:buFont typeface="Arial"/>
+        <a:buChar char="•"/>
+        <a:defRPr sz="1400" kern="1200" cap="none">
           <a:solidFill>
             <a:schemeClr val="tx1">
-              <a:lumMod val="75000"/>
-              <a:lumOff val="25000"/>
+              <a:lumMod val="85000"/>
+              <a:lumOff val="15000"/>
             </a:schemeClr>
           </a:solidFill>
+          <a:effectLst/>
           <a:latin typeface="+mn-lt"/>
           <a:ea typeface="+mn-ea"/>
           <a:cs typeface="+mn-cs"/>
@@ -6060,24 +6109,25 @@
       </a:lvl6pPr>
       <a:lvl7pPr marL="2971800" indent="-228600" algn="l" defTabSz="457200" rtl="0" eaLnBrk="1" latinLnBrk="0" hangingPunct="1">
         <a:spcBef>
-          <a:spcPts val="1000"/>
+          <a:spcPct val="20000"/>
         </a:spcBef>
         <a:spcAft>
-          <a:spcPts val="0"/>
+          <a:spcPts val="600"/>
         </a:spcAft>
         <a:buClr>
           <a:schemeClr val="accent1"/>
         </a:buClr>
-        <a:buSzPct val="80000"/>
-        <a:buFont typeface="Wingdings 3" charset="2"/>
-        <a:buChar char=""/>
-        <a:defRPr sz="1200" kern="1200">
+        <a:buSzPct val="115000"/>
+        <a:buFont typeface="Arial"/>
+        <a:buChar char="•"/>
+        <a:defRPr sz="1400" kern="1200" cap="none">
           <a:solidFill>
             <a:schemeClr val="tx1">
-              <a:lumMod val="75000"/>
-              <a:lumOff val="25000"/>
+              <a:lumMod val="85000"/>
+              <a:lumOff val="15000"/>
             </a:schemeClr>
           </a:solidFill>
+          <a:effectLst/>
           <a:latin typeface="+mn-lt"/>
           <a:ea typeface="+mn-ea"/>
           <a:cs typeface="+mn-cs"/>
@@ -6085,24 +6135,25 @@
       </a:lvl7pPr>
       <a:lvl8pPr marL="3429000" indent="-228600" algn="l" defTabSz="457200" rtl="0" eaLnBrk="1" latinLnBrk="0" hangingPunct="1">
         <a:spcBef>
-          <a:spcPts val="1000"/>
+          <a:spcPct val="20000"/>
         </a:spcBef>
         <a:spcAft>
-          <a:spcPts val="0"/>
+          <a:spcPts val="600"/>
         </a:spcAft>
         <a:buClr>
           <a:schemeClr val="accent1"/>
         </a:buClr>
-        <a:buSzPct val="80000"/>
-        <a:buFont typeface="Wingdings 3" charset="2"/>
-        <a:buChar char=""/>
-        <a:defRPr sz="1200" kern="1200">
+        <a:buSzPct val="115000"/>
+        <a:buFont typeface="Arial"/>
+        <a:buChar char="•"/>
+        <a:defRPr sz="1400" kern="1200" cap="none">
           <a:solidFill>
             <a:schemeClr val="tx1">
-              <a:lumMod val="75000"/>
-              <a:lumOff val="25000"/>
+              <a:lumMod val="85000"/>
+              <a:lumOff val="15000"/>
             </a:schemeClr>
           </a:solidFill>
+          <a:effectLst/>
           <a:latin typeface="+mn-lt"/>
           <a:ea typeface="+mn-ea"/>
           <a:cs typeface="+mn-cs"/>
@@ -6110,24 +6161,25 @@
       </a:lvl8pPr>
       <a:lvl9pPr marL="3886200" indent="-228600" algn="l" defTabSz="457200" rtl="0" eaLnBrk="1" latinLnBrk="0" hangingPunct="1">
         <a:spcBef>
-          <a:spcPts val="1000"/>
+          <a:spcPct val="20000"/>
         </a:spcBef>
         <a:spcAft>
-          <a:spcPts val="0"/>
+          <a:spcPts val="600"/>
         </a:spcAft>
         <a:buClr>
           <a:schemeClr val="accent1"/>
         </a:buClr>
-        <a:buSzPct val="80000"/>
-        <a:buFont typeface="Wingdings 3" charset="2"/>
-        <a:buChar char=""/>
-        <a:defRPr sz="1200" kern="1200">
+        <a:buSzPct val="115000"/>
+        <a:buFont typeface="Arial"/>
+        <a:buChar char="•"/>
+        <a:defRPr sz="1400" kern="1200" cap="none">
           <a:solidFill>
             <a:schemeClr val="tx1">
-              <a:lumMod val="75000"/>
-              <a:lumOff val="25000"/>
+              <a:lumMod val="85000"/>
+              <a:lumOff val="15000"/>
             </a:schemeClr>
           </a:solidFill>
+          <a:effectLst/>
           <a:latin typeface="+mn-lt"/>
           <a:ea typeface="+mn-ea"/>
           <a:cs typeface="+mn-cs"/>
@@ -6298,13 +6350,15 @@
           <a:p>
             <a:r>
               <a:rPr lang="en-US" dirty="0" smtClean="0"/>
-              <a:t>Prepared by Suresh Dahal</a:t>
-            </a:r>
-          </a:p>
-          <a:p>
+              <a:t>Prepared by </a:t>
+            </a:r>
+            <a:r>
+              <a:rPr lang="en-US" dirty="0" err="1" smtClean="0"/>
+              <a:t>Aaryan</a:t>
+            </a:r>
             <a:r>
               <a:rPr lang="en-US" dirty="0" smtClean="0"/>
-              <a:t>BIT – I/I – A - 23</a:t>
+              <a:t> Yadav</a:t>
             </a:r>
             <a:endParaRPr lang="en-US" dirty="0"/>
           </a:p>
@@ -6352,7 +6406,7 @@
         </p:nvSpPr>
         <p:spPr>
           <a:xfrm>
-            <a:off x="677334" y="609600"/>
+            <a:off x="1797665" y="975360"/>
             <a:ext cx="8596668" cy="1180011"/>
           </a:xfrm>
         </p:spPr>
@@ -6436,10 +6490,6 @@
               <a:rPr lang="en-US" sz="2400" dirty="0"/>
               <a:t>CPU, memory, storage, input, and output devices.</a:t>
             </a:r>
-            <a:r>
-              <a:rPr lang="en-US" sz="2400" dirty="0"/>
-              <a:t/>
-            </a:r>
             <a:br>
               <a:rPr lang="en-US" sz="2400" dirty="0"/>
             </a:br>
@@ -6464,7 +6514,15 @@
           <a:p>
             <a:r>
               <a:rPr lang="en-US" sz="1200" dirty="0" smtClean="0"/>
-              <a:t>Prepared by Suresh Dahal</a:t>
+              <a:t>Prepared by </a:t>
+            </a:r>
+            <a:r>
+              <a:rPr lang="en-US" sz="1200" dirty="0" err="1" smtClean="0"/>
+              <a:t>Aaryan</a:t>
+            </a:r>
+            <a:r>
+              <a:rPr lang="en-US" sz="1200" dirty="0" smtClean="0"/>
+              <a:t> Yadav</a:t>
             </a:r>
             <a:endParaRPr lang="en-US" sz="1200" dirty="0"/>
           </a:p>
@@ -6567,7 +6625,7 @@
         <p:spPr/>
         <p:txBody>
           <a:bodyPr>
-            <a:normAutofit/>
+            <a:normAutofit lnSpcReduction="10000"/>
           </a:bodyPr>
           <a:lstStyle/>
           <a:p>
@@ -6630,8 +6688,8 @@
           <a:lstStyle/>
           <a:p>
             <a:r>
-              <a:rPr lang="en-US" sz="1200" dirty="0" smtClean="0"/>
-              <a:t>Prepared by Suresh Dahal</a:t>
+              <a:rPr lang="en-US" sz="1200" smtClean="0"/>
+              <a:t>Prepared by Aaryan Yadav</a:t>
             </a:r>
             <a:endParaRPr lang="en-US" sz="1200" dirty="0"/>
           </a:p>
@@ -6791,8 +6849,8 @@
           <a:lstStyle/>
           <a:p>
             <a:r>
-              <a:rPr lang="en-US" sz="1200" dirty="0" smtClean="0"/>
-              <a:t>Prepared by Suresh Dahal</a:t>
+              <a:rPr lang="en-US" sz="1200" smtClean="0"/>
+              <a:t>Prepared by Aaryan Yadav</a:t>
             </a:r>
             <a:endParaRPr lang="en-US" sz="1200" dirty="0"/>
           </a:p>
@@ -6940,8 +6998,8 @@
           <a:lstStyle/>
           <a:p>
             <a:r>
-              <a:rPr lang="en-US" sz="1200" dirty="0" smtClean="0"/>
-              <a:t>Prepared by Suresh Dahal</a:t>
+              <a:rPr lang="en-US" sz="1200" smtClean="0"/>
+              <a:t>Prepared by Aaryan Yadav</a:t>
             </a:r>
             <a:endParaRPr lang="en-US" sz="1200" dirty="0"/>
           </a:p>
@@ -6984,9 +7042,9 @@
 </file>
 
 <file path=ppt/theme/theme1.xml><?xml version="1.0" encoding="utf-8"?>
-<a:theme xmlns:a="http://schemas.openxmlformats.org/drawingml/2006/main" name="Facet">
+<a:theme xmlns:a="http://schemas.openxmlformats.org/drawingml/2006/main" name="Organic">
   <a:themeElements>
-    <a:clrScheme name="Facet">
+    <a:clrScheme name="Organic">
       <a:dk1>
         <a:sysClr val="windowText" lastClr="000000"/>
       </a:dk1>
@@ -6994,83 +7052,48 @@
         <a:sysClr val="window" lastClr="FFFFFF"/>
       </a:lt1>
       <a:dk2>
-        <a:srgbClr val="2C3C43"/>
+        <a:srgbClr val="212121"/>
       </a:dk2>
       <a:lt2>
-        <a:srgbClr val="EBEBEB"/>
+        <a:srgbClr val="DADADA"/>
       </a:lt2>
       <a:accent1>
-        <a:srgbClr val="90C226"/>
+        <a:srgbClr val="83992A"/>
       </a:accent1>
       <a:accent2>
-        <a:srgbClr val="54A021"/>
+        <a:srgbClr val="3C9770"/>
       </a:accent2>
       <a:accent3>
-        <a:srgbClr val="E6B91E"/>
+        <a:srgbClr val="44709D"/>
       </a:accent3>
       <a:accent4>
-        <a:srgbClr val="E76618"/>
+        <a:srgbClr val="A23C33"/>
       </a:accent4>
       <a:accent5>
-        <a:srgbClr val="C42F1A"/>
+        <a:srgbClr val="D97828"/>
       </a:accent5>
       <a:accent6>
-        <a:srgbClr val="918655"/>
+        <a:srgbClr val="DEB340"/>
       </a:accent6>
       <a:hlink>
-        <a:srgbClr val="99CA3C"/>
+        <a:srgbClr val="A8BF4D"/>
       </a:hlink>
       <a:folHlink>
-        <a:srgbClr val="B9D181"/>
+        <a:srgbClr val="B4CA80"/>
       </a:folHlink>
     </a:clrScheme>
-    <a:fontScheme name="Facet">
+    <a:fontScheme name="Organic">
       <a:majorFont>
-        <a:latin typeface="Trebuchet MS" panose="020B0603020202020204"/>
+        <a:latin typeface="Garamond" panose="02020404030301010803"/>
         <a:ea typeface=""/>
         <a:cs typeface=""/>
-        <a:font script="Jpan" typeface="メイリオ"/>
-        <a:font script="Hang" typeface="맑은 고딕"/>
-        <a:font script="Hans" typeface="方正姚体"/>
+        <a:font script="Jpan" typeface="ＭＳ Ｐゴシック"/>
+        <a:font script="Hang" typeface="돋움"/>
+        <a:font script="Hans" typeface="方正舒体"/>
         <a:font script="Hant" typeface="微軟正黑體"/>
-        <a:font script="Arab" typeface="Tahoma"/>
+        <a:font script="Arab" typeface="Arial"/>
         <a:font script="Hebr" typeface="Arial"/>
         <a:font script="Thai" typeface="Cordia New"/>
-        <a:font script="Ethi" typeface="Nyala"/>
-        <a:font script="Beng" typeface="Vrinda"/>
-        <a:font script="Gujr" typeface="Shruti"/>
-        <a:font script="Khmr" typeface="DaunPenh"/>
-        <a:font script="Knda" typeface="Tunga"/>
-        <a:font script="Guru" typeface="Raavi"/>
-        <a:font script="Cans" typeface="Euphemia"/>
-        <a:font script="Cher" typeface="Plantagenet Cherokee"/>
-        <a:font script="Yiii" typeface="Microsoft Yi Baiti"/>
-        <a:font script="Tibt" typeface="Microsoft Himalaya"/>
-        <a:font script="Thaa" typeface="MV Boli"/>
-        <a:font script="Deva" typeface="Mangal"/>
-        <a:font script="Telu" typeface="Gautami"/>
-        <a:font script="Taml" typeface="Latha"/>
-        <a:font script="Syrc" typeface="Estrangelo Edessa"/>
-        <a:font script="Orya" typeface="Kalinga"/>
-        <a:font script="Mlym" typeface="Kartika"/>
-        <a:font script="Laoo" typeface="DokChampa"/>
-        <a:font script="Sinh" typeface="Iskoola Pota"/>
-        <a:font script="Mong" typeface="Mongolian Baiti"/>
-        <a:font script="Viet" typeface="Tahoma"/>
-        <a:font script="Uigh" typeface="Microsoft Uighur"/>
-        <a:font script="Geor" typeface="Sylfaen"/>
-      </a:majorFont>
-      <a:minorFont>
-        <a:latin typeface="Trebuchet MS" panose="020B0603020202020204"/>
-        <a:ea typeface=""/>
-        <a:cs typeface=""/>
-        <a:font script="Jpan" typeface="メイリオ"/>
-        <a:font script="Hang" typeface="HY그래픽M"/>
-        <a:font script="Hans" typeface="华文新魏"/>
-        <a:font script="Hant" typeface="微軟正黑體"/>
-        <a:font script="Arab" typeface="Tahoma"/>
-        <a:font script="Hebr" typeface="Gisha"/>
-        <a:font script="Thai" typeface="IrisUPC"/>
         <a:font script="Ethi" typeface="Nyala"/>
         <a:font script="Beng" typeface="Vrinda"/>
         <a:font script="Gujr" typeface="Shruti"/>
@@ -7094,9 +7117,44 @@
         <a:font script="Viet" typeface="Arial"/>
         <a:font script="Uigh" typeface="Microsoft Uighur"/>
         <a:font script="Geor" typeface="Sylfaen"/>
+      </a:majorFont>
+      <a:minorFont>
+        <a:latin typeface="Garamond" panose="02020404030301010803"/>
+        <a:ea typeface=""/>
+        <a:cs typeface=""/>
+        <a:font script="Jpan" typeface="ＭＳ Ｐ明朝"/>
+        <a:font script="Hang" typeface="바탕"/>
+        <a:font script="Hans" typeface="方正舒体"/>
+        <a:font script="Hant" typeface="新細明體"/>
+        <a:font script="Arab" typeface="Times New Roman"/>
+        <a:font script="Hebr" typeface="Times New Roman"/>
+        <a:font script="Thai" typeface="Angsana New"/>
+        <a:font script="Ethi" typeface="Nyala"/>
+        <a:font script="Beng" typeface="Vrinda"/>
+        <a:font script="Gujr" typeface="Shruti"/>
+        <a:font script="Khmr" typeface="MoolBoran"/>
+        <a:font script="Knda" typeface="Tunga"/>
+        <a:font script="Guru" typeface="Raavi"/>
+        <a:font script="Cans" typeface="Euphemia"/>
+        <a:font script="Cher" typeface="Plantagenet Cherokee"/>
+        <a:font script="Yiii" typeface="Microsoft Yi Baiti"/>
+        <a:font script="Tibt" typeface="Microsoft Himalaya"/>
+        <a:font script="Thaa" typeface="MV Boli"/>
+        <a:font script="Deva" typeface="Mangal"/>
+        <a:font script="Telu" typeface="Gautami"/>
+        <a:font script="Taml" typeface="Latha"/>
+        <a:font script="Syrc" typeface="Estrangelo Edessa"/>
+        <a:font script="Orya" typeface="Kalinga"/>
+        <a:font script="Mlym" typeface="Kartika"/>
+        <a:font script="Laoo" typeface="DokChampa"/>
+        <a:font script="Sinh" typeface="Iskoola Pota"/>
+        <a:font script="Mong" typeface="Mongolian Baiti"/>
+        <a:font script="Viet" typeface="Times New Roman"/>
+        <a:font script="Uigh" typeface="Microsoft Uighur"/>
+        <a:font script="Geor" typeface="Sylfaen"/>
       </a:minorFont>
     </a:fontScheme>
-    <a:fmtScheme name="Facet">
+    <a:fmtScheme name="Organic">
       <a:fillStyleLst>
         <a:solidFill>
           <a:schemeClr val="phClr"/>
@@ -7105,50 +7163,50 @@
           <a:gsLst>
             <a:gs pos="0">
               <a:schemeClr val="phClr">
-                <a:tint val="65000"/>
+                <a:tint val="60000"/>
                 <a:lumMod val="110000"/>
               </a:schemeClr>
             </a:gs>
-            <a:gs pos="88000">
+            <a:gs pos="100000">
               <a:schemeClr val="phClr">
-                <a:tint val="90000"/>
+                <a:tint val="82000"/>
               </a:schemeClr>
             </a:gs>
           </a:gsLst>
           <a:lin ang="5400000" scaled="0"/>
         </a:gradFill>
-        <a:gradFill rotWithShape="1">
-          <a:gsLst>
-            <a:gs pos="0">
+        <a:blipFill>
+          <a:blip xmlns:r="http://schemas.openxmlformats.org/officeDocument/2006/relationships" r:embed="rId1">
+            <a:duotone>
               <a:schemeClr val="phClr">
-                <a:tint val="96000"/>
-                <a:lumMod val="100000"/>
+                <a:shade val="74000"/>
+                <a:satMod val="130000"/>
+                <a:lumMod val="90000"/>
               </a:schemeClr>
-            </a:gs>
-            <a:gs pos="78000">
               <a:schemeClr val="phClr">
-                <a:shade val="94000"/>
-                <a:lumMod val="94000"/>
+                <a:tint val="94000"/>
+                <a:satMod val="120000"/>
+                <a:lumMod val="104000"/>
               </a:schemeClr>
-            </a:gs>
-          </a:gsLst>
-          <a:lin ang="5400000" scaled="0"/>
-        </a:gradFill>
+            </a:duotone>
+          </a:blip>
+          <a:tile tx="0" ty="0" sx="100000" sy="100000" flip="none" algn="tl"/>
+        </a:blipFill>
       </a:fillStyleLst>
       <a:lnStyleLst>
-        <a:ln w="12700" cap="rnd" cmpd="sng" algn="ctr">
+        <a:ln w="9525" cap="flat" cmpd="sng" algn="ctr">
           <a:solidFill>
             <a:schemeClr val="phClr"/>
           </a:solidFill>
           <a:prstDash val="solid"/>
         </a:ln>
-        <a:ln w="19050" cap="rnd" cmpd="sng" algn="ctr">
+        <a:ln w="15875" cap="flat" cmpd="sng" algn="ctr">
           <a:solidFill>
             <a:schemeClr val="phClr"/>
           </a:solidFill>
           <a:prstDash val="solid"/>
         </a:ln>
-        <a:ln w="25400" cap="rnd" cmpd="sng" algn="ctr">
+        <a:ln w="25400" cap="flat" cmpd="sng" algn="ctr">
           <a:solidFill>
             <a:schemeClr val="phClr"/>
           </a:solidFill>
@@ -7161,30 +7219,21 @@
         </a:effectStyle>
         <a:effectStyle>
           <a:effectLst>
-            <a:outerShdw blurRad="38100" dist="25400" dir="5400000" rotWithShape="0">
+            <a:innerShdw blurRad="25400" dist="12700" dir="13500000">
               <a:srgbClr val="000000">
-                <a:alpha val="35000"/>
+                <a:alpha val="45000"/>
               </a:srgbClr>
-            </a:outerShdw>
+            </a:innerShdw>
           </a:effectLst>
         </a:effectStyle>
         <a:effectStyle>
           <a:effectLst>
-            <a:outerShdw blurRad="50800" dist="38100" dir="5400000" rotWithShape="0">
+            <a:outerShdw blurRad="38100" dist="25400" dir="5400000" rotWithShape="0">
               <a:srgbClr val="000000">
-                <a:alpha val="35000"/>
+                <a:alpha val="60000"/>
               </a:srgbClr>
             </a:outerShdw>
           </a:effectLst>
-          <a:scene3d>
-            <a:camera prst="orthographicFront">
-              <a:rot lat="0" lon="0" rev="0"/>
-            </a:camera>
-            <a:lightRig rig="threePt" dir="tl"/>
-          </a:scene3d>
-          <a:sp3d prstMaterial="plastic">
-            <a:bevelT w="0" h="0"/>
-          </a:sp3d>
         </a:effectStyle>
       </a:effectStyleLst>
       <a:bgFillStyleLst>
@@ -7196,37 +7245,22 @@
             <a:gs pos="0">
               <a:schemeClr val="phClr">
                 <a:tint val="90000"/>
-                <a:lumMod val="104000"/>
+                <a:lumMod val="110000"/>
               </a:schemeClr>
             </a:gs>
-            <a:gs pos="94000">
+            <a:gs pos="100000">
               <a:schemeClr val="phClr">
-                <a:shade val="96000"/>
-                <a:lumMod val="82000"/>
+                <a:shade val="88000"/>
+                <a:lumMod val="98000"/>
               </a:schemeClr>
             </a:gs>
           </a:gsLst>
           <a:lin ang="5400000" scaled="0"/>
         </a:gradFill>
-        <a:gradFill rotWithShape="1">
-          <a:gsLst>
-            <a:gs pos="0">
-              <a:schemeClr val="phClr">
-                <a:tint val="90000"/>
-                <a:lumMod val="110000"/>
-              </a:schemeClr>
-            </a:gs>
-            <a:gs pos="100000">
-              <a:schemeClr val="phClr">
-                <a:shade val="94000"/>
-                <a:lumMod val="96000"/>
-              </a:schemeClr>
-            </a:gs>
-          </a:gsLst>
-          <a:path path="circle">
-            <a:fillToRect l="50000" t="50000" r="100000" b="100000"/>
-          </a:path>
-        </a:gradFill>
+        <a:blipFill>
+          <a:blip xmlns:r="http://schemas.openxmlformats.org/officeDocument/2006/relationships" r:embed="rId2"/>
+          <a:stretch/>
+        </a:blipFill>
       </a:bgFillStyleLst>
     </a:fmtScheme>
   </a:themeElements>
@@ -7234,7 +7268,7 @@
   <a:extraClrSchemeLst/>
   <a:extLst>
     <a:ext uri="{05A4C25C-085E-4340-85A3-A5531E510DB2}">
-      <thm15:themeFamily xmlns:thm15="http://schemas.microsoft.com/office/thememl/2012/main" name="Facet" id="{C0C680CD-088A-49FC-A102-D699147F32B2}" vid="{CFBC31BA-B70F-4F30-BCAA-4F3011E16C4D}"/>
+      <thm15:themeFamily xmlns:thm15="http://schemas.microsoft.com/office/thememl/2012/main" name="Organic" id="{28CDC826-8792-45C0-861B-85EB3ADEDA33}" vid="{7DAC20F1-423D-49E2-BD0B-50532748BAD0}"/>
     </a:ext>
   </a:extLst>
 </a:theme>
